--- a/course_material/slides/017_arg_kwarg.pptx
+++ b/course_material/slides/017_arg_kwarg.pptx
@@ -2,10 +2,14 @@
 <file path=ppt/presentation.xml><?xml version="1.0" encoding="utf-8"?>
 <p:presentation xmlns:a="http://schemas.openxmlformats.org/drawingml/2006/main" xmlns:r="http://schemas.openxmlformats.org/officeDocument/2006/relationships" xmlns:p="http://schemas.openxmlformats.org/presentationml/2006/main" saveSubsetFonts="1" autoCompressPictures="0">
   <p:sldMasterIdLst>
-    <p:sldMasterId id="2147483648" r:id="rId1"/>
+    <p:sldMasterId id="2147483660" r:id="rId1"/>
   </p:sldMasterIdLst>
   <p:sldIdLst>
-    <p:sldId id="256" r:id="rId2"/>
+    <p:sldId id="260" r:id="rId2"/>
+    <p:sldId id="256" r:id="rId3"/>
+    <p:sldId id="257" r:id="rId4"/>
+    <p:sldId id="258" r:id="rId5"/>
+    <p:sldId id="259" r:id="rId6"/>
   </p:sldIdLst>
   <p:sldSz cx="12192000" cy="6858000"/>
   <p:notesSz cx="6858000" cy="9144000"/>
@@ -13,7 +17,7 @@
     <a:defPPr>
       <a:defRPr lang="en-US"/>
     </a:defPPr>
-    <a:lvl1pPr marL="0" algn="l" defTabSz="914400" rtl="0" eaLnBrk="1" latinLnBrk="0" hangingPunct="1">
+    <a:lvl1pPr marL="0" algn="l" defTabSz="457200" rtl="0" eaLnBrk="1" latinLnBrk="0" hangingPunct="1">
       <a:defRPr sz="1800" kern="1200">
         <a:solidFill>
           <a:schemeClr val="tx1"/>
@@ -23,7 +27,7 @@
         <a:cs typeface="+mn-cs"/>
       </a:defRPr>
     </a:lvl1pPr>
-    <a:lvl2pPr marL="457200" algn="l" defTabSz="914400" rtl="0" eaLnBrk="1" latinLnBrk="0" hangingPunct="1">
+    <a:lvl2pPr marL="457200" algn="l" defTabSz="457200" rtl="0" eaLnBrk="1" latinLnBrk="0" hangingPunct="1">
       <a:defRPr sz="1800" kern="1200">
         <a:solidFill>
           <a:schemeClr val="tx1"/>
@@ -33,7 +37,7 @@
         <a:cs typeface="+mn-cs"/>
       </a:defRPr>
     </a:lvl2pPr>
-    <a:lvl3pPr marL="914400" algn="l" defTabSz="914400" rtl="0" eaLnBrk="1" latinLnBrk="0" hangingPunct="1">
+    <a:lvl3pPr marL="914400" algn="l" defTabSz="457200" rtl="0" eaLnBrk="1" latinLnBrk="0" hangingPunct="1">
       <a:defRPr sz="1800" kern="1200">
         <a:solidFill>
           <a:schemeClr val="tx1"/>
@@ -43,7 +47,7 @@
         <a:cs typeface="+mn-cs"/>
       </a:defRPr>
     </a:lvl3pPr>
-    <a:lvl4pPr marL="1371600" algn="l" defTabSz="914400" rtl="0" eaLnBrk="1" latinLnBrk="0" hangingPunct="1">
+    <a:lvl4pPr marL="1371600" algn="l" defTabSz="457200" rtl="0" eaLnBrk="1" latinLnBrk="0" hangingPunct="1">
       <a:defRPr sz="1800" kern="1200">
         <a:solidFill>
           <a:schemeClr val="tx1"/>
@@ -53,7 +57,7 @@
         <a:cs typeface="+mn-cs"/>
       </a:defRPr>
     </a:lvl4pPr>
-    <a:lvl5pPr marL="1828800" algn="l" defTabSz="914400" rtl="0" eaLnBrk="1" latinLnBrk="0" hangingPunct="1">
+    <a:lvl5pPr marL="1828800" algn="l" defTabSz="457200" rtl="0" eaLnBrk="1" latinLnBrk="0" hangingPunct="1">
       <a:defRPr sz="1800" kern="1200">
         <a:solidFill>
           <a:schemeClr val="tx1"/>
@@ -63,7 +67,7 @@
         <a:cs typeface="+mn-cs"/>
       </a:defRPr>
     </a:lvl5pPr>
-    <a:lvl6pPr marL="2286000" algn="l" defTabSz="914400" rtl="0" eaLnBrk="1" latinLnBrk="0" hangingPunct="1">
+    <a:lvl6pPr marL="2286000" algn="l" defTabSz="457200" rtl="0" eaLnBrk="1" latinLnBrk="0" hangingPunct="1">
       <a:defRPr sz="1800" kern="1200">
         <a:solidFill>
           <a:schemeClr val="tx1"/>
@@ -73,7 +77,7 @@
         <a:cs typeface="+mn-cs"/>
       </a:defRPr>
     </a:lvl6pPr>
-    <a:lvl7pPr marL="2743200" algn="l" defTabSz="914400" rtl="0" eaLnBrk="1" latinLnBrk="0" hangingPunct="1">
+    <a:lvl7pPr marL="2743200" algn="l" defTabSz="457200" rtl="0" eaLnBrk="1" latinLnBrk="0" hangingPunct="1">
       <a:defRPr sz="1800" kern="1200">
         <a:solidFill>
           <a:schemeClr val="tx1"/>
@@ -83,7 +87,7 @@
         <a:cs typeface="+mn-cs"/>
       </a:defRPr>
     </a:lvl7pPr>
-    <a:lvl8pPr marL="3200400" algn="l" defTabSz="914400" rtl="0" eaLnBrk="1" latinLnBrk="0" hangingPunct="1">
+    <a:lvl8pPr marL="3200400" algn="l" defTabSz="457200" rtl="0" eaLnBrk="1" latinLnBrk="0" hangingPunct="1">
       <a:defRPr sz="1800" kern="1200">
         <a:solidFill>
           <a:schemeClr val="tx1"/>
@@ -93,7 +97,7 @@
         <a:cs typeface="+mn-cs"/>
       </a:defRPr>
     </a:lvl8pPr>
-    <a:lvl9pPr marL="3657600" algn="l" defTabSz="914400" rtl="0" eaLnBrk="1" latinLnBrk="0" hangingPunct="1">
+    <a:lvl9pPr marL="3657600" algn="l" defTabSz="457200" rtl="0" eaLnBrk="1" latinLnBrk="0" hangingPunct="1">
       <a:defRPr sz="1800" kern="1200">
         <a:solidFill>
           <a:schemeClr val="tx1"/>
@@ -126,13 +130,7 @@
       </p:grpSpPr>
       <p:sp>
         <p:nvSpPr>
-          <p:cNvPr id="2" name="Title 1">
-            <a:extLst>
-              <a:ext uri="{FF2B5EF4-FFF2-40B4-BE49-F238E27FC236}">
-                <a16:creationId xmlns:a16="http://schemas.microsoft.com/office/drawing/2014/main" id="{1402B718-2E8D-909D-EC8F-435DE8A2A5AD}"/>
-              </a:ext>
-            </a:extLst>
-          </p:cNvPr>
+          <p:cNvPr id="2" name="Title 1"/>
           <p:cNvSpPr>
             <a:spLocks noGrp="1"/>
           </p:cNvSpPr>
@@ -142,15 +140,17 @@
         </p:nvSpPr>
         <p:spPr>
           <a:xfrm>
-            <a:off x="1524000" y="1122363"/>
-            <a:ext cx="9144000" cy="2387600"/>
+            <a:off x="2417779" y="802298"/>
+            <a:ext cx="8637073" cy="2541431"/>
           </a:xfrm>
         </p:spPr>
         <p:txBody>
-          <a:bodyPr anchor="b"/>
+          <a:bodyPr bIns="0" anchor="b">
+            <a:normAutofit/>
+          </a:bodyPr>
           <a:lstStyle>
-            <a:lvl1pPr algn="ctr">
-              <a:defRPr sz="6000"/>
+            <a:lvl1pPr algn="l">
+              <a:defRPr sz="6600"/>
             </a:lvl1pPr>
           </a:lstStyle>
           <a:p>
@@ -158,18 +158,13 @@
               <a:rPr lang="en-US"/>
               <a:t>Click to edit Master title style</a:t>
             </a:r>
-          </a:p>
-        </p:txBody>
-      </p:sp>
-      <p:sp>
-        <p:nvSpPr>
-          <p:cNvPr id="3" name="Subtitle 2">
-            <a:extLst>
-              <a:ext uri="{FF2B5EF4-FFF2-40B4-BE49-F238E27FC236}">
-                <a16:creationId xmlns:a16="http://schemas.microsoft.com/office/drawing/2014/main" id="{485DD97C-4E54-6931-99A6-F04A155DE03D}"/>
-              </a:ext>
-            </a:extLst>
-          </p:cNvPr>
+            <a:endParaRPr lang="en-US" dirty="0"/>
+          </a:p>
+        </p:txBody>
+      </p:sp>
+      <p:sp>
+        <p:nvSpPr>
+          <p:cNvPr id="3" name="Subtitle 2"/>
           <p:cNvSpPr>
             <a:spLocks noGrp="1"/>
           </p:cNvSpPr>
@@ -179,20 +174,26 @@
         </p:nvSpPr>
         <p:spPr>
           <a:xfrm>
-            <a:off x="1524000" y="3602038"/>
-            <a:ext cx="9144000" cy="1655762"/>
+            <a:off x="2417780" y="3531204"/>
+            <a:ext cx="8637072" cy="977621"/>
           </a:xfrm>
         </p:spPr>
         <p:txBody>
-          <a:bodyPr/>
+          <a:bodyPr tIns="91440" bIns="91440">
+            <a:normAutofit/>
+          </a:bodyPr>
           <a:lstStyle>
-            <a:lvl1pPr marL="0" indent="0" algn="ctr">
-              <a:buNone/>
-              <a:defRPr sz="2400"/>
+            <a:lvl1pPr marL="0" indent="0" algn="l">
+              <a:buNone/>
+              <a:defRPr sz="1800" b="0" cap="all" baseline="0">
+                <a:solidFill>
+                  <a:schemeClr val="tx1"/>
+                </a:solidFill>
+              </a:defRPr>
             </a:lvl1pPr>
             <a:lvl2pPr marL="457200" indent="0" algn="ctr">
               <a:buNone/>
-              <a:defRPr sz="2000"/>
+              <a:defRPr sz="1800"/>
             </a:lvl2pPr>
             <a:lvl3pPr marL="914400" indent="0" algn="ctr">
               <a:buNone/>
@@ -228,18 +229,13 @@
               <a:rPr lang="en-US"/>
               <a:t>Click to edit Master subtitle style</a:t>
             </a:r>
-          </a:p>
-        </p:txBody>
-      </p:sp>
-      <p:sp>
-        <p:nvSpPr>
-          <p:cNvPr id="4" name="Date Placeholder 3">
-            <a:extLst>
-              <a:ext uri="{FF2B5EF4-FFF2-40B4-BE49-F238E27FC236}">
-                <a16:creationId xmlns:a16="http://schemas.microsoft.com/office/drawing/2014/main" id="{27D0B8E3-8D73-B67F-DD79-CBDF664F5690}"/>
-              </a:ext>
-            </a:extLst>
-          </p:cNvPr>
+            <a:endParaRPr lang="en-US" dirty="0"/>
+          </a:p>
+        </p:txBody>
+      </p:sp>
+      <p:sp>
+        <p:nvSpPr>
+          <p:cNvPr id="4" name="Date Placeholder 3"/>
           <p:cNvSpPr>
             <a:spLocks noGrp="1"/>
           </p:cNvSpPr>
@@ -262,13 +258,7 @@
       </p:sp>
       <p:sp>
         <p:nvSpPr>
-          <p:cNvPr id="5" name="Footer Placeholder 4">
-            <a:extLst>
-              <a:ext uri="{FF2B5EF4-FFF2-40B4-BE49-F238E27FC236}">
-                <a16:creationId xmlns:a16="http://schemas.microsoft.com/office/drawing/2014/main" id="{DA0FC0BF-8A44-F996-0D67-5E1CCAB7BB3F}"/>
-              </a:ext>
-            </a:extLst>
-          </p:cNvPr>
+          <p:cNvPr id="5" name="Footer Placeholder 4"/>
           <p:cNvSpPr>
             <a:spLocks noGrp="1"/>
           </p:cNvSpPr>
@@ -276,7 +266,12 @@
             <p:ph type="ftr" sz="quarter" idx="11"/>
           </p:nvPr>
         </p:nvSpPr>
-        <p:spPr/>
+        <p:spPr>
+          <a:xfrm>
+            <a:off x="2416500" y="329307"/>
+            <a:ext cx="4973915" cy="309201"/>
+          </a:xfrm>
+        </p:spPr>
         <p:txBody>
           <a:bodyPr/>
           <a:lstStyle/>
@@ -287,13 +282,7 @@
       </p:sp>
       <p:sp>
         <p:nvSpPr>
-          <p:cNvPr id="6" name="Slide Number Placeholder 5">
-            <a:extLst>
-              <a:ext uri="{FF2B5EF4-FFF2-40B4-BE49-F238E27FC236}">
-                <a16:creationId xmlns:a16="http://schemas.microsoft.com/office/drawing/2014/main" id="{FE39BF24-606C-A5C4-5E80-667EE57FB2A7}"/>
-              </a:ext>
-            </a:extLst>
-          </p:cNvPr>
+          <p:cNvPr id="6" name="Slide Number Placeholder 5"/>
           <p:cNvSpPr>
             <a:spLocks noGrp="1"/>
           </p:cNvSpPr>
@@ -301,7 +290,12 @@
             <p:ph type="sldNum" sz="quarter" idx="12"/>
           </p:nvPr>
         </p:nvSpPr>
-        <p:spPr/>
+        <p:spPr>
+          <a:xfrm>
+            <a:off x="1437664" y="798973"/>
+            <a:ext cx="811019" cy="503578"/>
+          </a:xfrm>
+        </p:spPr>
         <p:txBody>
           <a:bodyPr/>
           <a:lstStyle/>
@@ -314,10 +308,41 @@
           </a:p>
         </p:txBody>
       </p:sp>
+      <p:cxnSp>
+        <p:nvCxnSpPr>
+          <p:cNvPr id="15" name="Straight Connector 14"/>
+          <p:cNvCxnSpPr/>
+          <p:nvPr/>
+        </p:nvCxnSpPr>
+        <p:spPr>
+          <a:xfrm>
+            <a:off x="2417780" y="3528542"/>
+            <a:ext cx="8637072" cy="0"/>
+          </a:xfrm>
+          <a:prstGeom prst="line">
+            <a:avLst/>
+          </a:prstGeom>
+          <a:ln w="31750"/>
+        </p:spPr>
+        <p:style>
+          <a:lnRef idx="3">
+            <a:schemeClr val="accent1"/>
+          </a:lnRef>
+          <a:fillRef idx="0">
+            <a:schemeClr val="accent1"/>
+          </a:fillRef>
+          <a:effectRef idx="2">
+            <a:schemeClr val="accent1"/>
+          </a:effectRef>
+          <a:fontRef idx="minor">
+            <a:schemeClr val="tx1"/>
+          </a:fontRef>
+        </p:style>
+      </p:cxnSp>
     </p:spTree>
     <p:extLst>
       <p:ext uri="{BB962C8B-B14F-4D97-AF65-F5344CB8AC3E}">
-        <p14:creationId xmlns:p14="http://schemas.microsoft.com/office/powerpoint/2010/main" val="4200465029"/>
+        <p14:creationId xmlns:p14="http://schemas.microsoft.com/office/powerpoint/2010/main" val="3813099909"/>
       </p:ext>
     </p:extLst>
   </p:cSld>
@@ -346,13 +371,7 @@
       </p:grpSpPr>
       <p:sp>
         <p:nvSpPr>
-          <p:cNvPr id="2" name="Title 1">
-            <a:extLst>
-              <a:ext uri="{FF2B5EF4-FFF2-40B4-BE49-F238E27FC236}">
-                <a16:creationId xmlns:a16="http://schemas.microsoft.com/office/drawing/2014/main" id="{DD4CD51F-A9C0-1DFA-CB8D-DE8C6C27D2DC}"/>
-              </a:ext>
-            </a:extLst>
-          </p:cNvPr>
+          <p:cNvPr id="2" name="Title 1"/>
           <p:cNvSpPr>
             <a:spLocks noGrp="1"/>
           </p:cNvSpPr>
@@ -369,18 +388,13 @@
               <a:rPr lang="en-US"/>
               <a:t>Click to edit Master title style</a:t>
             </a:r>
-          </a:p>
-        </p:txBody>
-      </p:sp>
-      <p:sp>
-        <p:nvSpPr>
-          <p:cNvPr id="3" name="Vertical Text Placeholder 2">
-            <a:extLst>
-              <a:ext uri="{FF2B5EF4-FFF2-40B4-BE49-F238E27FC236}">
-                <a16:creationId xmlns:a16="http://schemas.microsoft.com/office/drawing/2014/main" id="{A0F66D06-31B5-EDBE-028F-4BA638900A32}"/>
-              </a:ext>
-            </a:extLst>
-          </p:cNvPr>
+            <a:endParaRPr lang="en-US" dirty="0"/>
+          </a:p>
+        </p:txBody>
+      </p:sp>
+      <p:sp>
+        <p:nvSpPr>
+          <p:cNvPr id="3" name="Vertical Text Placeholder 2"/>
           <p:cNvSpPr>
             <a:spLocks noGrp="1"/>
           </p:cNvSpPr>
@@ -426,18 +440,13 @@
               <a:rPr lang="en-US"/>
               <a:t>Fifth level</a:t>
             </a:r>
-          </a:p>
-        </p:txBody>
-      </p:sp>
-      <p:sp>
-        <p:nvSpPr>
-          <p:cNvPr id="4" name="Date Placeholder 3">
-            <a:extLst>
-              <a:ext uri="{FF2B5EF4-FFF2-40B4-BE49-F238E27FC236}">
-                <a16:creationId xmlns:a16="http://schemas.microsoft.com/office/drawing/2014/main" id="{5389C84E-234D-1965-FF60-A1A42362CFA2}"/>
-              </a:ext>
-            </a:extLst>
-          </p:cNvPr>
+            <a:endParaRPr lang="en-US" dirty="0"/>
+          </a:p>
+        </p:txBody>
+      </p:sp>
+      <p:sp>
+        <p:nvSpPr>
+          <p:cNvPr id="4" name="Date Placeholder 3"/>
           <p:cNvSpPr>
             <a:spLocks noGrp="1"/>
           </p:cNvSpPr>
@@ -460,13 +469,7 @@
       </p:sp>
       <p:sp>
         <p:nvSpPr>
-          <p:cNvPr id="5" name="Footer Placeholder 4">
-            <a:extLst>
-              <a:ext uri="{FF2B5EF4-FFF2-40B4-BE49-F238E27FC236}">
-                <a16:creationId xmlns:a16="http://schemas.microsoft.com/office/drawing/2014/main" id="{3CDEB661-047D-9A10-BD38-EC8A2E9A2522}"/>
-              </a:ext>
-            </a:extLst>
-          </p:cNvPr>
+          <p:cNvPr id="5" name="Footer Placeholder 4"/>
           <p:cNvSpPr>
             <a:spLocks noGrp="1"/>
           </p:cNvSpPr>
@@ -485,13 +488,7 @@
       </p:sp>
       <p:sp>
         <p:nvSpPr>
-          <p:cNvPr id="6" name="Slide Number Placeholder 5">
-            <a:extLst>
-              <a:ext uri="{FF2B5EF4-FFF2-40B4-BE49-F238E27FC236}">
-                <a16:creationId xmlns:a16="http://schemas.microsoft.com/office/drawing/2014/main" id="{F3706030-82E2-15FD-9F4C-579F3CFC3E83}"/>
-              </a:ext>
-            </a:extLst>
-          </p:cNvPr>
+          <p:cNvPr id="6" name="Slide Number Placeholder 5"/>
           <p:cNvSpPr>
             <a:spLocks noGrp="1"/>
           </p:cNvSpPr>
@@ -512,10 +509,41 @@
           </a:p>
         </p:txBody>
       </p:sp>
+      <p:cxnSp>
+        <p:nvCxnSpPr>
+          <p:cNvPr id="26" name="Straight Connector 25"/>
+          <p:cNvCxnSpPr/>
+          <p:nvPr/>
+        </p:nvCxnSpPr>
+        <p:spPr>
+          <a:xfrm>
+            <a:off x="1453896" y="1847088"/>
+            <a:ext cx="9607522" cy="0"/>
+          </a:xfrm>
+          <a:prstGeom prst="line">
+            <a:avLst/>
+          </a:prstGeom>
+          <a:ln w="31750"/>
+        </p:spPr>
+        <p:style>
+          <a:lnRef idx="3">
+            <a:schemeClr val="accent1"/>
+          </a:lnRef>
+          <a:fillRef idx="0">
+            <a:schemeClr val="accent1"/>
+          </a:fillRef>
+          <a:effectRef idx="2">
+            <a:schemeClr val="accent1"/>
+          </a:effectRef>
+          <a:fontRef idx="minor">
+            <a:schemeClr val="tx1"/>
+          </a:fontRef>
+        </p:style>
+      </p:cxnSp>
     </p:spTree>
     <p:extLst>
       <p:ext uri="{BB962C8B-B14F-4D97-AF65-F5344CB8AC3E}">
-        <p14:creationId xmlns:p14="http://schemas.microsoft.com/office/powerpoint/2010/main" val="653102025"/>
+        <p14:creationId xmlns:p14="http://schemas.microsoft.com/office/powerpoint/2010/main" val="1084511250"/>
       </p:ext>
     </p:extLst>
   </p:cSld>
@@ -544,13 +572,7 @@
       </p:grpSpPr>
       <p:sp>
         <p:nvSpPr>
-          <p:cNvPr id="2" name="Vertical Title 1">
-            <a:extLst>
-              <a:ext uri="{FF2B5EF4-FFF2-40B4-BE49-F238E27FC236}">
-                <a16:creationId xmlns:a16="http://schemas.microsoft.com/office/drawing/2014/main" id="{8780CE67-A78A-5078-B299-9FA5541E1CAD}"/>
-              </a:ext>
-            </a:extLst>
-          </p:cNvPr>
+          <p:cNvPr id="2" name="Vertical Title 1"/>
           <p:cNvSpPr>
             <a:spLocks noGrp="1"/>
           </p:cNvSpPr>
@@ -560,30 +582,29 @@
         </p:nvSpPr>
         <p:spPr>
           <a:xfrm>
-            <a:off x="8724900" y="365125"/>
-            <a:ext cx="2628900" cy="5811838"/>
+            <a:off x="9439111" y="798973"/>
+            <a:ext cx="1615742" cy="4659889"/>
           </a:xfrm>
         </p:spPr>
         <p:txBody>
           <a:bodyPr vert="eaVert"/>
-          <a:lstStyle/>
+          <a:lstStyle>
+            <a:lvl1pPr algn="l">
+              <a:defRPr/>
+            </a:lvl1pPr>
+          </a:lstStyle>
           <a:p>
             <a:r>
               <a:rPr lang="en-US"/>
               <a:t>Click to edit Master title style</a:t>
             </a:r>
-          </a:p>
-        </p:txBody>
-      </p:sp>
-      <p:sp>
-        <p:nvSpPr>
-          <p:cNvPr id="3" name="Vertical Text Placeholder 2">
-            <a:extLst>
-              <a:ext uri="{FF2B5EF4-FFF2-40B4-BE49-F238E27FC236}">
-                <a16:creationId xmlns:a16="http://schemas.microsoft.com/office/drawing/2014/main" id="{6422472B-33E4-6BE8-D5FC-6F1EB6AF22FD}"/>
-              </a:ext>
-            </a:extLst>
-          </p:cNvPr>
+            <a:endParaRPr lang="en-US" dirty="0"/>
+          </a:p>
+        </p:txBody>
+      </p:sp>
+      <p:sp>
+        <p:nvSpPr>
+          <p:cNvPr id="3" name="Vertical Text Placeholder 2"/>
           <p:cNvSpPr>
             <a:spLocks noGrp="1"/>
           </p:cNvSpPr>
@@ -593,8 +614,8 @@
         </p:nvSpPr>
         <p:spPr>
           <a:xfrm>
-            <a:off x="838200" y="365125"/>
-            <a:ext cx="7734300" cy="5811838"/>
+            <a:off x="1444672" y="798973"/>
+            <a:ext cx="7828830" cy="4659889"/>
           </a:xfrm>
         </p:spPr>
         <p:txBody>
@@ -634,18 +655,13 @@
               <a:rPr lang="en-US"/>
               <a:t>Fifth level</a:t>
             </a:r>
-          </a:p>
-        </p:txBody>
-      </p:sp>
-      <p:sp>
-        <p:nvSpPr>
-          <p:cNvPr id="4" name="Date Placeholder 3">
-            <a:extLst>
-              <a:ext uri="{FF2B5EF4-FFF2-40B4-BE49-F238E27FC236}">
-                <a16:creationId xmlns:a16="http://schemas.microsoft.com/office/drawing/2014/main" id="{5AEFA859-6ACF-4E08-7A24-7F61B92A012F}"/>
-              </a:ext>
-            </a:extLst>
-          </p:cNvPr>
+            <a:endParaRPr lang="en-US" dirty="0"/>
+          </a:p>
+        </p:txBody>
+      </p:sp>
+      <p:sp>
+        <p:nvSpPr>
+          <p:cNvPr id="4" name="Date Placeholder 3"/>
           <p:cNvSpPr>
             <a:spLocks noGrp="1"/>
           </p:cNvSpPr>
@@ -668,13 +684,7 @@
       </p:sp>
       <p:sp>
         <p:nvSpPr>
-          <p:cNvPr id="5" name="Footer Placeholder 4">
-            <a:extLst>
-              <a:ext uri="{FF2B5EF4-FFF2-40B4-BE49-F238E27FC236}">
-                <a16:creationId xmlns:a16="http://schemas.microsoft.com/office/drawing/2014/main" id="{7BC6F3CE-068F-5666-C1E6-C78765A70E85}"/>
-              </a:ext>
-            </a:extLst>
-          </p:cNvPr>
+          <p:cNvPr id="5" name="Footer Placeholder 4"/>
           <p:cNvSpPr>
             <a:spLocks noGrp="1"/>
           </p:cNvSpPr>
@@ -693,13 +703,7 @@
       </p:sp>
       <p:sp>
         <p:nvSpPr>
-          <p:cNvPr id="6" name="Slide Number Placeholder 5">
-            <a:extLst>
-              <a:ext uri="{FF2B5EF4-FFF2-40B4-BE49-F238E27FC236}">
-                <a16:creationId xmlns:a16="http://schemas.microsoft.com/office/drawing/2014/main" id="{6E4F3537-AEDD-7B80-29B5-291D6F4CAC50}"/>
-              </a:ext>
-            </a:extLst>
-          </p:cNvPr>
+          <p:cNvPr id="6" name="Slide Number Placeholder 5"/>
           <p:cNvSpPr>
             <a:spLocks noGrp="1"/>
           </p:cNvSpPr>
@@ -720,10 +724,41 @@
           </a:p>
         </p:txBody>
       </p:sp>
+      <p:cxnSp>
+        <p:nvCxnSpPr>
+          <p:cNvPr id="15" name="Straight Connector 14"/>
+          <p:cNvCxnSpPr/>
+          <p:nvPr/>
+        </p:nvCxnSpPr>
+        <p:spPr>
+          <a:xfrm>
+            <a:off x="9439111" y="798973"/>
+            <a:ext cx="0" cy="4659889"/>
+          </a:xfrm>
+          <a:prstGeom prst="line">
+            <a:avLst/>
+          </a:prstGeom>
+          <a:ln w="31750"/>
+        </p:spPr>
+        <p:style>
+          <a:lnRef idx="3">
+            <a:schemeClr val="accent1"/>
+          </a:lnRef>
+          <a:fillRef idx="0">
+            <a:schemeClr val="accent1"/>
+          </a:fillRef>
+          <a:effectRef idx="2">
+            <a:schemeClr val="accent1"/>
+          </a:effectRef>
+          <a:fontRef idx="minor">
+            <a:schemeClr val="tx1"/>
+          </a:fontRef>
+        </p:style>
+      </p:cxnSp>
     </p:spTree>
     <p:extLst>
       <p:ext uri="{BB962C8B-B14F-4D97-AF65-F5344CB8AC3E}">
-        <p14:creationId xmlns:p14="http://schemas.microsoft.com/office/powerpoint/2010/main" val="1221335797"/>
+        <p14:creationId xmlns:p14="http://schemas.microsoft.com/office/powerpoint/2010/main" val="1538322319"/>
       </p:ext>
     </p:extLst>
   </p:cSld>
@@ -752,13 +787,7 @@
       </p:grpSpPr>
       <p:sp>
         <p:nvSpPr>
-          <p:cNvPr id="2" name="Title 1">
-            <a:extLst>
-              <a:ext uri="{FF2B5EF4-FFF2-40B4-BE49-F238E27FC236}">
-                <a16:creationId xmlns:a16="http://schemas.microsoft.com/office/drawing/2014/main" id="{A45C3A73-20AD-1E2B-5C3B-C34595BBD6A1}"/>
-              </a:ext>
-            </a:extLst>
-          </p:cNvPr>
+          <p:cNvPr id="2" name="Title 1"/>
           <p:cNvSpPr>
             <a:spLocks noGrp="1"/>
           </p:cNvSpPr>
@@ -775,18 +804,13 @@
               <a:rPr lang="en-US"/>
               <a:t>Click to edit Master title style</a:t>
             </a:r>
-          </a:p>
-        </p:txBody>
-      </p:sp>
-      <p:sp>
-        <p:nvSpPr>
-          <p:cNvPr id="3" name="Content Placeholder 2">
-            <a:extLst>
-              <a:ext uri="{FF2B5EF4-FFF2-40B4-BE49-F238E27FC236}">
-                <a16:creationId xmlns:a16="http://schemas.microsoft.com/office/drawing/2014/main" id="{572623C8-92E2-2E64-EB82-4CD61345ECAD}"/>
-              </a:ext>
-            </a:extLst>
-          </p:cNvPr>
+            <a:endParaRPr lang="en-US" dirty="0"/>
+          </a:p>
+        </p:txBody>
+      </p:sp>
+      <p:sp>
+        <p:nvSpPr>
+          <p:cNvPr id="3" name="Content Placeholder 2"/>
           <p:cNvSpPr>
             <a:spLocks noGrp="1"/>
           </p:cNvSpPr>
@@ -796,7 +820,7 @@
         </p:nvSpPr>
         <p:spPr/>
         <p:txBody>
-          <a:bodyPr/>
+          <a:bodyPr anchor="t"/>
           <a:lstStyle/>
           <a:p>
             <a:pPr lvl="0"/>
@@ -832,18 +856,13 @@
               <a:rPr lang="en-US"/>
               <a:t>Fifth level</a:t>
             </a:r>
-          </a:p>
-        </p:txBody>
-      </p:sp>
-      <p:sp>
-        <p:nvSpPr>
-          <p:cNvPr id="4" name="Date Placeholder 3">
-            <a:extLst>
-              <a:ext uri="{FF2B5EF4-FFF2-40B4-BE49-F238E27FC236}">
-                <a16:creationId xmlns:a16="http://schemas.microsoft.com/office/drawing/2014/main" id="{20C985DB-DECD-3854-E2AE-10872D98DD4F}"/>
-              </a:ext>
-            </a:extLst>
-          </p:cNvPr>
+            <a:endParaRPr lang="en-US" dirty="0"/>
+          </a:p>
+        </p:txBody>
+      </p:sp>
+      <p:sp>
+        <p:nvSpPr>
+          <p:cNvPr id="4" name="Date Placeholder 3"/>
           <p:cNvSpPr>
             <a:spLocks noGrp="1"/>
           </p:cNvSpPr>
@@ -866,13 +885,7 @@
       </p:sp>
       <p:sp>
         <p:nvSpPr>
-          <p:cNvPr id="5" name="Footer Placeholder 4">
-            <a:extLst>
-              <a:ext uri="{FF2B5EF4-FFF2-40B4-BE49-F238E27FC236}">
-                <a16:creationId xmlns:a16="http://schemas.microsoft.com/office/drawing/2014/main" id="{8DA0A3A7-E481-2FC9-3B1B-D3C16D6FBCF0}"/>
-              </a:ext>
-            </a:extLst>
-          </p:cNvPr>
+          <p:cNvPr id="5" name="Footer Placeholder 4"/>
           <p:cNvSpPr>
             <a:spLocks noGrp="1"/>
           </p:cNvSpPr>
@@ -891,13 +904,7 @@
       </p:sp>
       <p:sp>
         <p:nvSpPr>
-          <p:cNvPr id="6" name="Slide Number Placeholder 5">
-            <a:extLst>
-              <a:ext uri="{FF2B5EF4-FFF2-40B4-BE49-F238E27FC236}">
-                <a16:creationId xmlns:a16="http://schemas.microsoft.com/office/drawing/2014/main" id="{ADA6D9F4-2EEA-37E8-198B-AB9E75B860AC}"/>
-              </a:ext>
-            </a:extLst>
-          </p:cNvPr>
+          <p:cNvPr id="6" name="Slide Number Placeholder 5"/>
           <p:cNvSpPr>
             <a:spLocks noGrp="1"/>
           </p:cNvSpPr>
@@ -918,10 +925,41 @@
           </a:p>
         </p:txBody>
       </p:sp>
+      <p:cxnSp>
+        <p:nvCxnSpPr>
+          <p:cNvPr id="33" name="Straight Connector 32"/>
+          <p:cNvCxnSpPr/>
+          <p:nvPr/>
+        </p:nvCxnSpPr>
+        <p:spPr>
+          <a:xfrm>
+            <a:off x="1453896" y="1847088"/>
+            <a:ext cx="9607522" cy="0"/>
+          </a:xfrm>
+          <a:prstGeom prst="line">
+            <a:avLst/>
+          </a:prstGeom>
+          <a:ln w="31750"/>
+        </p:spPr>
+        <p:style>
+          <a:lnRef idx="3">
+            <a:schemeClr val="accent1"/>
+          </a:lnRef>
+          <a:fillRef idx="0">
+            <a:schemeClr val="accent1"/>
+          </a:fillRef>
+          <a:effectRef idx="2">
+            <a:schemeClr val="accent1"/>
+          </a:effectRef>
+          <a:fontRef idx="minor">
+            <a:schemeClr val="tx1"/>
+          </a:fontRef>
+        </p:style>
+      </p:cxnSp>
     </p:spTree>
     <p:extLst>
       <p:ext uri="{BB962C8B-B14F-4D97-AF65-F5344CB8AC3E}">
-        <p14:creationId xmlns:p14="http://schemas.microsoft.com/office/powerpoint/2010/main" val="4195628996"/>
+        <p14:creationId xmlns:p14="http://schemas.microsoft.com/office/powerpoint/2010/main" val="214621612"/>
       </p:ext>
     </p:extLst>
   </p:cSld>
@@ -950,13 +988,7 @@
       </p:grpSpPr>
       <p:sp>
         <p:nvSpPr>
-          <p:cNvPr id="2" name="Title 1">
-            <a:extLst>
-              <a:ext uri="{FF2B5EF4-FFF2-40B4-BE49-F238E27FC236}">
-                <a16:creationId xmlns:a16="http://schemas.microsoft.com/office/drawing/2014/main" id="{61844286-BA3F-4716-69ED-684C70646109}"/>
-              </a:ext>
-            </a:extLst>
-          </p:cNvPr>
+          <p:cNvPr id="2" name="Title 1"/>
           <p:cNvSpPr>
             <a:spLocks noGrp="1"/>
           </p:cNvSpPr>
@@ -966,15 +998,17 @@
         </p:nvSpPr>
         <p:spPr>
           <a:xfrm>
-            <a:off x="831850" y="1709738"/>
-            <a:ext cx="10515600" cy="2852737"/>
+            <a:off x="1454239" y="1756130"/>
+            <a:ext cx="8643154" cy="1887950"/>
           </a:xfrm>
         </p:spPr>
         <p:txBody>
-          <a:bodyPr anchor="b"/>
+          <a:bodyPr anchor="b">
+            <a:normAutofit/>
+          </a:bodyPr>
           <a:lstStyle>
-            <a:lvl1pPr>
-              <a:defRPr sz="6000"/>
+            <a:lvl1pPr algn="l">
+              <a:defRPr sz="3600"/>
             </a:lvl1pPr>
           </a:lstStyle>
           <a:p>
@@ -982,18 +1016,13 @@
               <a:rPr lang="en-US"/>
               <a:t>Click to edit Master title style</a:t>
             </a:r>
-          </a:p>
-        </p:txBody>
-      </p:sp>
-      <p:sp>
-        <p:nvSpPr>
-          <p:cNvPr id="3" name="Text Placeholder 2">
-            <a:extLst>
-              <a:ext uri="{FF2B5EF4-FFF2-40B4-BE49-F238E27FC236}">
-                <a16:creationId xmlns:a16="http://schemas.microsoft.com/office/drawing/2014/main" id="{CB92B701-6FB5-0A70-E58C-1990132986F7}"/>
-              </a:ext>
-            </a:extLst>
-          </p:cNvPr>
+            <a:endParaRPr lang="en-US" dirty="0"/>
+          </a:p>
+        </p:txBody>
+      </p:sp>
+      <p:sp>
+        <p:nvSpPr>
+          <p:cNvPr id="3" name="Text Placeholder 2"/>
           <p:cNvSpPr>
             <a:spLocks noGrp="1"/>
           </p:cNvSpPr>
@@ -1003,26 +1032,26 @@
         </p:nvSpPr>
         <p:spPr>
           <a:xfrm>
-            <a:off x="831850" y="4589463"/>
-            <a:ext cx="10515600" cy="1500187"/>
+            <a:off x="1454239" y="3806195"/>
+            <a:ext cx="8630446" cy="1012929"/>
           </a:xfrm>
         </p:spPr>
         <p:txBody>
-          <a:bodyPr/>
+          <a:bodyPr tIns="91440">
+            <a:normAutofit/>
+          </a:bodyPr>
           <a:lstStyle>
-            <a:lvl1pPr marL="0" indent="0">
-              <a:buNone/>
-              <a:defRPr sz="2400">
+            <a:lvl1pPr marL="0" indent="0" algn="l">
+              <a:buNone/>
+              <a:defRPr sz="1800">
                 <a:solidFill>
-                  <a:schemeClr val="tx1">
-                    <a:tint val="75000"/>
-                  </a:schemeClr>
+                  <a:schemeClr val="tx1"/>
                 </a:solidFill>
               </a:defRPr>
             </a:lvl1pPr>
             <a:lvl2pPr marL="457200" indent="0">
               <a:buNone/>
-              <a:defRPr sz="2000">
+              <a:defRPr sz="1800">
                 <a:solidFill>
                   <a:schemeClr val="tx1">
                     <a:tint val="75000"/>
@@ -1112,13 +1141,7 @@
       </p:sp>
       <p:sp>
         <p:nvSpPr>
-          <p:cNvPr id="4" name="Date Placeholder 3">
-            <a:extLst>
-              <a:ext uri="{FF2B5EF4-FFF2-40B4-BE49-F238E27FC236}">
-                <a16:creationId xmlns:a16="http://schemas.microsoft.com/office/drawing/2014/main" id="{BA460F08-054F-0AD8-E28D-69FFA4732FD5}"/>
-              </a:ext>
-            </a:extLst>
-          </p:cNvPr>
+          <p:cNvPr id="4" name="Date Placeholder 3"/>
           <p:cNvSpPr>
             <a:spLocks noGrp="1"/>
           </p:cNvSpPr>
@@ -1141,13 +1164,7 @@
       </p:sp>
       <p:sp>
         <p:nvSpPr>
-          <p:cNvPr id="5" name="Footer Placeholder 4">
-            <a:extLst>
-              <a:ext uri="{FF2B5EF4-FFF2-40B4-BE49-F238E27FC236}">
-                <a16:creationId xmlns:a16="http://schemas.microsoft.com/office/drawing/2014/main" id="{B040EE38-8A67-EBA8-3914-0CE1604673C8}"/>
-              </a:ext>
-            </a:extLst>
-          </p:cNvPr>
+          <p:cNvPr id="5" name="Footer Placeholder 4"/>
           <p:cNvSpPr>
             <a:spLocks noGrp="1"/>
           </p:cNvSpPr>
@@ -1166,13 +1183,7 @@
       </p:sp>
       <p:sp>
         <p:nvSpPr>
-          <p:cNvPr id="6" name="Slide Number Placeholder 5">
-            <a:extLst>
-              <a:ext uri="{FF2B5EF4-FFF2-40B4-BE49-F238E27FC236}">
-                <a16:creationId xmlns:a16="http://schemas.microsoft.com/office/drawing/2014/main" id="{CC6DEFF2-9317-3847-6681-28B5DFE54A62}"/>
-              </a:ext>
-            </a:extLst>
-          </p:cNvPr>
+          <p:cNvPr id="6" name="Slide Number Placeholder 5"/>
           <p:cNvSpPr>
             <a:spLocks noGrp="1"/>
           </p:cNvSpPr>
@@ -1193,10 +1204,41 @@
           </a:p>
         </p:txBody>
       </p:sp>
+      <p:cxnSp>
+        <p:nvCxnSpPr>
+          <p:cNvPr id="15" name="Straight Connector 14"/>
+          <p:cNvCxnSpPr/>
+          <p:nvPr/>
+        </p:nvCxnSpPr>
+        <p:spPr>
+          <a:xfrm>
+            <a:off x="1454239" y="3804985"/>
+            <a:ext cx="8630446" cy="0"/>
+          </a:xfrm>
+          <a:prstGeom prst="line">
+            <a:avLst/>
+          </a:prstGeom>
+          <a:ln w="31750"/>
+        </p:spPr>
+        <p:style>
+          <a:lnRef idx="3">
+            <a:schemeClr val="accent1"/>
+          </a:lnRef>
+          <a:fillRef idx="0">
+            <a:schemeClr val="accent1"/>
+          </a:fillRef>
+          <a:effectRef idx="2">
+            <a:schemeClr val="accent1"/>
+          </a:effectRef>
+          <a:fontRef idx="minor">
+            <a:schemeClr val="tx1"/>
+          </a:fontRef>
+        </p:style>
+      </p:cxnSp>
     </p:spTree>
     <p:extLst>
       <p:ext uri="{BB962C8B-B14F-4D97-AF65-F5344CB8AC3E}">
-        <p14:creationId xmlns:p14="http://schemas.microsoft.com/office/powerpoint/2010/main" val="1493164663"/>
+        <p14:creationId xmlns:p14="http://schemas.microsoft.com/office/powerpoint/2010/main" val="740764869"/>
       </p:ext>
     </p:extLst>
   </p:cSld>
@@ -1225,114 +1267,46 @@
       </p:grpSpPr>
       <p:sp>
         <p:nvSpPr>
-          <p:cNvPr id="2" name="Title 1">
-            <a:extLst>
-              <a:ext uri="{FF2B5EF4-FFF2-40B4-BE49-F238E27FC236}">
-                <a16:creationId xmlns:a16="http://schemas.microsoft.com/office/drawing/2014/main" id="{F1A3C13B-9E28-C96D-3E80-642D51C2EAD9}"/>
-              </a:ext>
-            </a:extLst>
-          </p:cNvPr>
+          <p:cNvPr id="2" name="Title 1"/>
           <p:cNvSpPr>
             <a:spLocks noGrp="1"/>
           </p:cNvSpPr>
           <p:nvPr>
             <p:ph type="title"/>
-          </p:nvPr>
-        </p:nvSpPr>
-        <p:spPr/>
-        <p:txBody>
-          <a:bodyPr/>
-          <a:lstStyle/>
-          <a:p>
-            <a:r>
-              <a:rPr lang="en-US"/>
-              <a:t>Click to edit Master title style</a:t>
-            </a:r>
-          </a:p>
-        </p:txBody>
-      </p:sp>
-      <p:sp>
-        <p:nvSpPr>
-          <p:cNvPr id="3" name="Content Placeholder 2">
-            <a:extLst>
-              <a:ext uri="{FF2B5EF4-FFF2-40B4-BE49-F238E27FC236}">
-                <a16:creationId xmlns:a16="http://schemas.microsoft.com/office/drawing/2014/main" id="{964F2F11-FC78-7C30-8746-0A66D60F3FC8}"/>
-              </a:ext>
-            </a:extLst>
-          </p:cNvPr>
-          <p:cNvSpPr>
-            <a:spLocks noGrp="1"/>
-          </p:cNvSpPr>
-          <p:nvPr>
-            <p:ph sz="half" idx="1"/>
           </p:nvPr>
         </p:nvSpPr>
         <p:spPr>
           <a:xfrm>
-            <a:off x="838200" y="1825625"/>
-            <a:ext cx="5181600" cy="4351338"/>
+            <a:off x="1449217" y="804889"/>
+            <a:ext cx="9605635" cy="1059305"/>
           </a:xfrm>
         </p:spPr>
         <p:txBody>
           <a:bodyPr/>
           <a:lstStyle/>
           <a:p>
-            <a:pPr lvl="0"/>
-            <a:r>
-              <a:rPr lang="en-US"/>
-              <a:t>Click to edit Master text styles</a:t>
-            </a:r>
-          </a:p>
-          <a:p>
-            <a:pPr lvl="1"/>
-            <a:r>
-              <a:rPr lang="en-US"/>
-              <a:t>Second level</a:t>
-            </a:r>
-          </a:p>
-          <a:p>
-            <a:pPr lvl="2"/>
-            <a:r>
-              <a:rPr lang="en-US"/>
-              <a:t>Third level</a:t>
-            </a:r>
-          </a:p>
-          <a:p>
-            <a:pPr lvl="3"/>
-            <a:r>
-              <a:rPr lang="en-US"/>
-              <a:t>Fourth level</a:t>
-            </a:r>
-          </a:p>
-          <a:p>
-            <a:pPr lvl="4"/>
-            <a:r>
-              <a:rPr lang="en-US"/>
-              <a:t>Fifth level</a:t>
-            </a:r>
-          </a:p>
-        </p:txBody>
-      </p:sp>
-      <p:sp>
-        <p:nvSpPr>
-          <p:cNvPr id="4" name="Content Placeholder 3">
-            <a:extLst>
-              <a:ext uri="{FF2B5EF4-FFF2-40B4-BE49-F238E27FC236}">
-                <a16:creationId xmlns:a16="http://schemas.microsoft.com/office/drawing/2014/main" id="{D699FC82-D940-F94B-4E27-0A0788616664}"/>
-              </a:ext>
-            </a:extLst>
-          </p:cNvPr>
-          <p:cNvSpPr>
-            <a:spLocks noGrp="1"/>
-          </p:cNvSpPr>
-          <p:nvPr>
-            <p:ph sz="half" idx="2"/>
+            <a:r>
+              <a:rPr lang="en-US"/>
+              <a:t>Click to edit Master title style</a:t>
+            </a:r>
+            <a:endParaRPr lang="en-US" dirty="0"/>
+          </a:p>
+        </p:txBody>
+      </p:sp>
+      <p:sp>
+        <p:nvSpPr>
+          <p:cNvPr id="3" name="Content Placeholder 2"/>
+          <p:cNvSpPr>
+            <a:spLocks noGrp="1"/>
+          </p:cNvSpPr>
+          <p:nvPr>
+            <p:ph sz="half" idx="1"/>
           </p:nvPr>
         </p:nvSpPr>
         <p:spPr>
           <a:xfrm>
-            <a:off x="6172200" y="1825625"/>
-            <a:ext cx="5181600" cy="4351338"/>
+            <a:off x="1447331" y="2010878"/>
+            <a:ext cx="4645152" cy="3448595"/>
           </a:xfrm>
         </p:spPr>
         <p:txBody>
@@ -1372,18 +1346,70 @@
               <a:rPr lang="en-US"/>
               <a:t>Fifth level</a:t>
             </a:r>
-          </a:p>
-        </p:txBody>
-      </p:sp>
-      <p:sp>
-        <p:nvSpPr>
-          <p:cNvPr id="5" name="Date Placeholder 4">
-            <a:extLst>
-              <a:ext uri="{FF2B5EF4-FFF2-40B4-BE49-F238E27FC236}">
-                <a16:creationId xmlns:a16="http://schemas.microsoft.com/office/drawing/2014/main" id="{9AFB23B2-6635-C0D8-1FD1-69E736689A6D}"/>
-              </a:ext>
-            </a:extLst>
-          </p:cNvPr>
+            <a:endParaRPr lang="en-US" dirty="0"/>
+          </a:p>
+        </p:txBody>
+      </p:sp>
+      <p:sp>
+        <p:nvSpPr>
+          <p:cNvPr id="4" name="Content Placeholder 3"/>
+          <p:cNvSpPr>
+            <a:spLocks noGrp="1"/>
+          </p:cNvSpPr>
+          <p:nvPr>
+            <p:ph sz="half" idx="2"/>
+          </p:nvPr>
+        </p:nvSpPr>
+        <p:spPr>
+          <a:xfrm>
+            <a:off x="6413771" y="2017343"/>
+            <a:ext cx="4645152" cy="3441520"/>
+          </a:xfrm>
+        </p:spPr>
+        <p:txBody>
+          <a:bodyPr/>
+          <a:lstStyle/>
+          <a:p>
+            <a:pPr lvl="0"/>
+            <a:r>
+              <a:rPr lang="en-US"/>
+              <a:t>Click to edit Master text styles</a:t>
+            </a:r>
+          </a:p>
+          <a:p>
+            <a:pPr lvl="1"/>
+            <a:r>
+              <a:rPr lang="en-US"/>
+              <a:t>Second level</a:t>
+            </a:r>
+          </a:p>
+          <a:p>
+            <a:pPr lvl="2"/>
+            <a:r>
+              <a:rPr lang="en-US"/>
+              <a:t>Third level</a:t>
+            </a:r>
+          </a:p>
+          <a:p>
+            <a:pPr lvl="3"/>
+            <a:r>
+              <a:rPr lang="en-US"/>
+              <a:t>Fourth level</a:t>
+            </a:r>
+          </a:p>
+          <a:p>
+            <a:pPr lvl="4"/>
+            <a:r>
+              <a:rPr lang="en-US"/>
+              <a:t>Fifth level</a:t>
+            </a:r>
+            <a:endParaRPr lang="en-US" dirty="0"/>
+          </a:p>
+        </p:txBody>
+      </p:sp>
+      <p:sp>
+        <p:nvSpPr>
+          <p:cNvPr id="5" name="Date Placeholder 4"/>
           <p:cNvSpPr>
             <a:spLocks noGrp="1"/>
           </p:cNvSpPr>
@@ -1406,13 +1432,7 @@
       </p:sp>
       <p:sp>
         <p:nvSpPr>
-          <p:cNvPr id="6" name="Footer Placeholder 5">
-            <a:extLst>
-              <a:ext uri="{FF2B5EF4-FFF2-40B4-BE49-F238E27FC236}">
-                <a16:creationId xmlns:a16="http://schemas.microsoft.com/office/drawing/2014/main" id="{B3BCB465-1EC8-5268-230C-69F5E3E7F44E}"/>
-              </a:ext>
-            </a:extLst>
-          </p:cNvPr>
+          <p:cNvPr id="6" name="Footer Placeholder 5"/>
           <p:cNvSpPr>
             <a:spLocks noGrp="1"/>
           </p:cNvSpPr>
@@ -1431,13 +1451,7 @@
       </p:sp>
       <p:sp>
         <p:nvSpPr>
-          <p:cNvPr id="7" name="Slide Number Placeholder 6">
-            <a:extLst>
-              <a:ext uri="{FF2B5EF4-FFF2-40B4-BE49-F238E27FC236}">
-                <a16:creationId xmlns:a16="http://schemas.microsoft.com/office/drawing/2014/main" id="{CF74BB53-70B3-B20D-A07E-CA3EDCFEC1A8}"/>
-              </a:ext>
-            </a:extLst>
-          </p:cNvPr>
+          <p:cNvPr id="7" name="Slide Number Placeholder 6"/>
           <p:cNvSpPr>
             <a:spLocks noGrp="1"/>
           </p:cNvSpPr>
@@ -1458,10 +1472,41 @@
           </a:p>
         </p:txBody>
       </p:sp>
+      <p:cxnSp>
+        <p:nvCxnSpPr>
+          <p:cNvPr id="35" name="Straight Connector 34"/>
+          <p:cNvCxnSpPr/>
+          <p:nvPr/>
+        </p:nvCxnSpPr>
+        <p:spPr>
+          <a:xfrm>
+            <a:off x="1453896" y="1847088"/>
+            <a:ext cx="9607522" cy="0"/>
+          </a:xfrm>
+          <a:prstGeom prst="line">
+            <a:avLst/>
+          </a:prstGeom>
+          <a:ln w="31750"/>
+        </p:spPr>
+        <p:style>
+          <a:lnRef idx="3">
+            <a:schemeClr val="accent1"/>
+          </a:lnRef>
+          <a:fillRef idx="0">
+            <a:schemeClr val="accent1"/>
+          </a:fillRef>
+          <a:effectRef idx="2">
+            <a:schemeClr val="accent1"/>
+          </a:effectRef>
+          <a:fontRef idx="minor">
+            <a:schemeClr val="tx1"/>
+          </a:fontRef>
+        </p:style>
+      </p:cxnSp>
     </p:spTree>
     <p:extLst>
       <p:ext uri="{BB962C8B-B14F-4D97-AF65-F5344CB8AC3E}">
-        <p14:creationId xmlns:p14="http://schemas.microsoft.com/office/powerpoint/2010/main" val="2376554528"/>
+        <p14:creationId xmlns:p14="http://schemas.microsoft.com/office/powerpoint/2010/main" val="913390389"/>
       </p:ext>
     </p:extLst>
   </p:cSld>
@@ -1490,13 +1535,7 @@
       </p:grpSpPr>
       <p:sp>
         <p:nvSpPr>
-          <p:cNvPr id="2" name="Title 1">
-            <a:extLst>
-              <a:ext uri="{FF2B5EF4-FFF2-40B4-BE49-F238E27FC236}">
-                <a16:creationId xmlns:a16="http://schemas.microsoft.com/office/drawing/2014/main" id="{8CF47D0C-5B94-F92F-BC9A-7B0D1874E126}"/>
-              </a:ext>
-            </a:extLst>
-          </p:cNvPr>
+          <p:cNvPr id="2" name="Title 1"/>
           <p:cNvSpPr>
             <a:spLocks noGrp="1"/>
           </p:cNvSpPr>
@@ -1506,8 +1545,8 @@
         </p:nvSpPr>
         <p:spPr>
           <a:xfrm>
-            <a:off x="839788" y="365125"/>
-            <a:ext cx="10515600" cy="1325563"/>
+            <a:off x="1447191" y="804163"/>
+            <a:ext cx="9607661" cy="1056319"/>
           </a:xfrm>
         </p:spPr>
         <p:txBody>
@@ -1518,18 +1557,13 @@
               <a:rPr lang="en-US"/>
               <a:t>Click to edit Master title style</a:t>
             </a:r>
-          </a:p>
-        </p:txBody>
-      </p:sp>
-      <p:sp>
-        <p:nvSpPr>
-          <p:cNvPr id="3" name="Text Placeholder 2">
-            <a:extLst>
-              <a:ext uri="{FF2B5EF4-FFF2-40B4-BE49-F238E27FC236}">
-                <a16:creationId xmlns:a16="http://schemas.microsoft.com/office/drawing/2014/main" id="{AEC34564-344F-D897-CC00-4AA35D86F5A9}"/>
-              </a:ext>
-            </a:extLst>
-          </p:cNvPr>
+            <a:endParaRPr lang="en-US" dirty="0"/>
+          </a:p>
+        </p:txBody>
+      </p:sp>
+      <p:sp>
+        <p:nvSpPr>
+          <p:cNvPr id="3" name="Text Placeholder 2"/>
           <p:cNvSpPr>
             <a:spLocks noGrp="1"/>
           </p:cNvSpPr>
@@ -1539,16 +1573,25 @@
         </p:nvSpPr>
         <p:spPr>
           <a:xfrm>
-            <a:off x="839788" y="1681163"/>
-            <a:ext cx="5157787" cy="823912"/>
+            <a:off x="1447191" y="2019549"/>
+            <a:ext cx="4645152" cy="801943"/>
           </a:xfrm>
         </p:spPr>
         <p:txBody>
-          <a:bodyPr anchor="b"/>
+          <a:bodyPr anchor="b">
+            <a:normAutofit/>
+          </a:bodyPr>
           <a:lstStyle>
             <a:lvl1pPr marL="0" indent="0">
-              <a:buNone/>
-              <a:defRPr sz="2400" b="1"/>
+              <a:lnSpc>
+                <a:spcPct val="100000"/>
+              </a:lnSpc>
+              <a:buNone/>
+              <a:defRPr sz="2200" b="0" cap="all" baseline="0">
+                <a:solidFill>
+                  <a:schemeClr val="accent1"/>
+                </a:solidFill>
+              </a:defRPr>
             </a:lvl1pPr>
             <a:lvl2pPr marL="457200" indent="0">
               <a:buNone/>
@@ -1594,13 +1637,7 @@
       </p:sp>
       <p:sp>
         <p:nvSpPr>
-          <p:cNvPr id="4" name="Content Placeholder 3">
-            <a:extLst>
-              <a:ext uri="{FF2B5EF4-FFF2-40B4-BE49-F238E27FC236}">
-                <a16:creationId xmlns:a16="http://schemas.microsoft.com/office/drawing/2014/main" id="{DFD0D985-8850-9422-14B5-35006B7A7176}"/>
-              </a:ext>
-            </a:extLst>
-          </p:cNvPr>
+          <p:cNvPr id="4" name="Content Placeholder 3"/>
           <p:cNvSpPr>
             <a:spLocks noGrp="1"/>
           </p:cNvSpPr>
@@ -1610,8 +1647,8 @@
         </p:nvSpPr>
         <p:spPr>
           <a:xfrm>
-            <a:off x="839788" y="2505075"/>
-            <a:ext cx="5157787" cy="3684588"/>
+            <a:off x="1447191" y="2824269"/>
+            <a:ext cx="4645152" cy="2644457"/>
           </a:xfrm>
         </p:spPr>
         <p:txBody>
@@ -1651,18 +1688,13 @@
               <a:rPr lang="en-US"/>
               <a:t>Fifth level</a:t>
             </a:r>
-          </a:p>
-        </p:txBody>
-      </p:sp>
-      <p:sp>
-        <p:nvSpPr>
-          <p:cNvPr id="5" name="Text Placeholder 4">
-            <a:extLst>
-              <a:ext uri="{FF2B5EF4-FFF2-40B4-BE49-F238E27FC236}">
-                <a16:creationId xmlns:a16="http://schemas.microsoft.com/office/drawing/2014/main" id="{F6B64C5D-0D08-6127-9665-3557E8BE6D4C}"/>
-              </a:ext>
-            </a:extLst>
-          </p:cNvPr>
+            <a:endParaRPr lang="en-US" dirty="0"/>
+          </a:p>
+        </p:txBody>
+      </p:sp>
+      <p:sp>
+        <p:nvSpPr>
+          <p:cNvPr id="5" name="Text Placeholder 4"/>
           <p:cNvSpPr>
             <a:spLocks noGrp="1"/>
           </p:cNvSpPr>
@@ -1672,16 +1704,25 @@
         </p:nvSpPr>
         <p:spPr>
           <a:xfrm>
-            <a:off x="6172200" y="1681163"/>
-            <a:ext cx="5183188" cy="823912"/>
+            <a:off x="6412362" y="2023003"/>
+            <a:ext cx="4645152" cy="802237"/>
           </a:xfrm>
         </p:spPr>
         <p:txBody>
-          <a:bodyPr anchor="b"/>
+          <a:bodyPr anchor="b">
+            <a:normAutofit/>
+          </a:bodyPr>
           <a:lstStyle>
             <a:lvl1pPr marL="0" indent="0">
-              <a:buNone/>
-              <a:defRPr sz="2400" b="1"/>
+              <a:lnSpc>
+                <a:spcPct val="100000"/>
+              </a:lnSpc>
+              <a:buNone/>
+              <a:defRPr sz="2200" b="0" cap="all" baseline="0">
+                <a:solidFill>
+                  <a:schemeClr val="accent1"/>
+                </a:solidFill>
+              </a:defRPr>
             </a:lvl1pPr>
             <a:lvl2pPr marL="457200" indent="0">
               <a:buNone/>
@@ -1727,13 +1768,7 @@
       </p:sp>
       <p:sp>
         <p:nvSpPr>
-          <p:cNvPr id="6" name="Content Placeholder 5">
-            <a:extLst>
-              <a:ext uri="{FF2B5EF4-FFF2-40B4-BE49-F238E27FC236}">
-                <a16:creationId xmlns:a16="http://schemas.microsoft.com/office/drawing/2014/main" id="{9D282081-E12B-4A68-B6A3-15765F63EF1F}"/>
-              </a:ext>
-            </a:extLst>
-          </p:cNvPr>
+          <p:cNvPr id="6" name="Content Placeholder 5"/>
           <p:cNvSpPr>
             <a:spLocks noGrp="1"/>
           </p:cNvSpPr>
@@ -1743,8 +1778,8 @@
         </p:nvSpPr>
         <p:spPr>
           <a:xfrm>
-            <a:off x="6172200" y="2505075"/>
-            <a:ext cx="5183188" cy="3684588"/>
+            <a:off x="6412362" y="2821491"/>
+            <a:ext cx="4645152" cy="2637371"/>
           </a:xfrm>
         </p:spPr>
         <p:txBody>
@@ -1784,18 +1819,13 @@
               <a:rPr lang="en-US"/>
               <a:t>Fifth level</a:t>
             </a:r>
-          </a:p>
-        </p:txBody>
-      </p:sp>
-      <p:sp>
-        <p:nvSpPr>
-          <p:cNvPr id="7" name="Date Placeholder 6">
-            <a:extLst>
-              <a:ext uri="{FF2B5EF4-FFF2-40B4-BE49-F238E27FC236}">
-                <a16:creationId xmlns:a16="http://schemas.microsoft.com/office/drawing/2014/main" id="{1FF7611E-3766-D304-8BE4-E08FDAF0DBA2}"/>
-              </a:ext>
-            </a:extLst>
-          </p:cNvPr>
+            <a:endParaRPr lang="en-US" dirty="0"/>
+          </a:p>
+        </p:txBody>
+      </p:sp>
+      <p:sp>
+        <p:nvSpPr>
+          <p:cNvPr id="7" name="Date Placeholder 6"/>
           <p:cNvSpPr>
             <a:spLocks noGrp="1"/>
           </p:cNvSpPr>
@@ -1818,13 +1848,7 @@
       </p:sp>
       <p:sp>
         <p:nvSpPr>
-          <p:cNvPr id="8" name="Footer Placeholder 7">
-            <a:extLst>
-              <a:ext uri="{FF2B5EF4-FFF2-40B4-BE49-F238E27FC236}">
-                <a16:creationId xmlns:a16="http://schemas.microsoft.com/office/drawing/2014/main" id="{E80740E0-C080-E19D-BE78-233BEF44DBAD}"/>
-              </a:ext>
-            </a:extLst>
-          </p:cNvPr>
+          <p:cNvPr id="8" name="Footer Placeholder 7"/>
           <p:cNvSpPr>
             <a:spLocks noGrp="1"/>
           </p:cNvSpPr>
@@ -1843,13 +1867,7 @@
       </p:sp>
       <p:sp>
         <p:nvSpPr>
-          <p:cNvPr id="9" name="Slide Number Placeholder 8">
-            <a:extLst>
-              <a:ext uri="{FF2B5EF4-FFF2-40B4-BE49-F238E27FC236}">
-                <a16:creationId xmlns:a16="http://schemas.microsoft.com/office/drawing/2014/main" id="{AD724047-FEC1-E0DC-CB02-5228DD613E16}"/>
-              </a:ext>
-            </a:extLst>
-          </p:cNvPr>
+          <p:cNvPr id="9" name="Slide Number Placeholder 8"/>
           <p:cNvSpPr>
             <a:spLocks noGrp="1"/>
           </p:cNvSpPr>
@@ -1870,10 +1888,41 @@
           </a:p>
         </p:txBody>
       </p:sp>
+      <p:cxnSp>
+        <p:nvCxnSpPr>
+          <p:cNvPr id="29" name="Straight Connector 28"/>
+          <p:cNvCxnSpPr/>
+          <p:nvPr/>
+        </p:nvCxnSpPr>
+        <p:spPr>
+          <a:xfrm>
+            <a:off x="1453896" y="1847088"/>
+            <a:ext cx="9607522" cy="0"/>
+          </a:xfrm>
+          <a:prstGeom prst="line">
+            <a:avLst/>
+          </a:prstGeom>
+          <a:ln w="31750"/>
+        </p:spPr>
+        <p:style>
+          <a:lnRef idx="3">
+            <a:schemeClr val="accent1"/>
+          </a:lnRef>
+          <a:fillRef idx="0">
+            <a:schemeClr val="accent1"/>
+          </a:fillRef>
+          <a:effectRef idx="2">
+            <a:schemeClr val="accent1"/>
+          </a:effectRef>
+          <a:fontRef idx="minor">
+            <a:schemeClr val="tx1"/>
+          </a:fontRef>
+        </p:style>
+      </p:cxnSp>
     </p:spTree>
     <p:extLst>
       <p:ext uri="{BB962C8B-B14F-4D97-AF65-F5344CB8AC3E}">
-        <p14:creationId xmlns:p14="http://schemas.microsoft.com/office/powerpoint/2010/main" val="4102889048"/>
+        <p14:creationId xmlns:p14="http://schemas.microsoft.com/office/powerpoint/2010/main" val="2432664451"/>
       </p:ext>
     </p:extLst>
   </p:cSld>
@@ -1902,13 +1951,7 @@
       </p:grpSpPr>
       <p:sp>
         <p:nvSpPr>
-          <p:cNvPr id="2" name="Title 1">
-            <a:extLst>
-              <a:ext uri="{FF2B5EF4-FFF2-40B4-BE49-F238E27FC236}">
-                <a16:creationId xmlns:a16="http://schemas.microsoft.com/office/drawing/2014/main" id="{9DF243C4-F80A-D43C-2AB4-37C441DA38F4}"/>
-              </a:ext>
-            </a:extLst>
-          </p:cNvPr>
+          <p:cNvPr id="2" name="Title 1"/>
           <p:cNvSpPr>
             <a:spLocks noGrp="1"/>
           </p:cNvSpPr>
@@ -1925,18 +1968,13 @@
               <a:rPr lang="en-US"/>
               <a:t>Click to edit Master title style</a:t>
             </a:r>
-          </a:p>
-        </p:txBody>
-      </p:sp>
-      <p:sp>
-        <p:nvSpPr>
-          <p:cNvPr id="3" name="Date Placeholder 2">
-            <a:extLst>
-              <a:ext uri="{FF2B5EF4-FFF2-40B4-BE49-F238E27FC236}">
-                <a16:creationId xmlns:a16="http://schemas.microsoft.com/office/drawing/2014/main" id="{2614FDD0-55A2-E370-6181-9E99A5702CAA}"/>
-              </a:ext>
-            </a:extLst>
-          </p:cNvPr>
+            <a:endParaRPr lang="en-US" dirty="0"/>
+          </a:p>
+        </p:txBody>
+      </p:sp>
+      <p:sp>
+        <p:nvSpPr>
+          <p:cNvPr id="3" name="Date Placeholder 2"/>
           <p:cNvSpPr>
             <a:spLocks noGrp="1"/>
           </p:cNvSpPr>
@@ -1959,13 +1997,7 @@
       </p:sp>
       <p:sp>
         <p:nvSpPr>
-          <p:cNvPr id="4" name="Footer Placeholder 3">
-            <a:extLst>
-              <a:ext uri="{FF2B5EF4-FFF2-40B4-BE49-F238E27FC236}">
-                <a16:creationId xmlns:a16="http://schemas.microsoft.com/office/drawing/2014/main" id="{C6EC7A67-4BB7-2643-F223-7F83FC295BB5}"/>
-              </a:ext>
-            </a:extLst>
-          </p:cNvPr>
+          <p:cNvPr id="4" name="Footer Placeholder 3"/>
           <p:cNvSpPr>
             <a:spLocks noGrp="1"/>
           </p:cNvSpPr>
@@ -1984,13 +2016,7 @@
       </p:sp>
       <p:sp>
         <p:nvSpPr>
-          <p:cNvPr id="5" name="Slide Number Placeholder 4">
-            <a:extLst>
-              <a:ext uri="{FF2B5EF4-FFF2-40B4-BE49-F238E27FC236}">
-                <a16:creationId xmlns:a16="http://schemas.microsoft.com/office/drawing/2014/main" id="{80D51368-19C0-1029-88B1-AB949EFFB4A9}"/>
-              </a:ext>
-            </a:extLst>
-          </p:cNvPr>
+          <p:cNvPr id="5" name="Slide Number Placeholder 4"/>
           <p:cNvSpPr>
             <a:spLocks noGrp="1"/>
           </p:cNvSpPr>
@@ -2011,10 +2037,41 @@
           </a:p>
         </p:txBody>
       </p:sp>
+      <p:cxnSp>
+        <p:nvCxnSpPr>
+          <p:cNvPr id="25" name="Straight Connector 24"/>
+          <p:cNvCxnSpPr/>
+          <p:nvPr/>
+        </p:nvCxnSpPr>
+        <p:spPr>
+          <a:xfrm>
+            <a:off x="1453896" y="1847088"/>
+            <a:ext cx="9607522" cy="0"/>
+          </a:xfrm>
+          <a:prstGeom prst="line">
+            <a:avLst/>
+          </a:prstGeom>
+          <a:ln w="31750"/>
+        </p:spPr>
+        <p:style>
+          <a:lnRef idx="3">
+            <a:schemeClr val="accent1"/>
+          </a:lnRef>
+          <a:fillRef idx="0">
+            <a:schemeClr val="accent1"/>
+          </a:fillRef>
+          <a:effectRef idx="2">
+            <a:schemeClr val="accent1"/>
+          </a:effectRef>
+          <a:fontRef idx="minor">
+            <a:schemeClr val="tx1"/>
+          </a:fontRef>
+        </p:style>
+      </p:cxnSp>
     </p:spTree>
     <p:extLst>
       <p:ext uri="{BB962C8B-B14F-4D97-AF65-F5344CB8AC3E}">
-        <p14:creationId xmlns:p14="http://schemas.microsoft.com/office/powerpoint/2010/main" val="490374306"/>
+        <p14:creationId xmlns:p14="http://schemas.microsoft.com/office/powerpoint/2010/main" val="221530427"/>
       </p:ext>
     </p:extLst>
   </p:cSld>
@@ -2043,13 +2100,7 @@
       </p:grpSpPr>
       <p:sp>
         <p:nvSpPr>
-          <p:cNvPr id="2" name="Date Placeholder 1">
-            <a:extLst>
-              <a:ext uri="{FF2B5EF4-FFF2-40B4-BE49-F238E27FC236}">
-                <a16:creationId xmlns:a16="http://schemas.microsoft.com/office/drawing/2014/main" id="{EB4D7D2D-1172-188A-E679-2FCC4EB3D655}"/>
-              </a:ext>
-            </a:extLst>
-          </p:cNvPr>
+          <p:cNvPr id="2" name="Date Placeholder 1"/>
           <p:cNvSpPr>
             <a:spLocks noGrp="1"/>
           </p:cNvSpPr>
@@ -2072,13 +2123,7 @@
       </p:sp>
       <p:sp>
         <p:nvSpPr>
-          <p:cNvPr id="3" name="Footer Placeholder 2">
-            <a:extLst>
-              <a:ext uri="{FF2B5EF4-FFF2-40B4-BE49-F238E27FC236}">
-                <a16:creationId xmlns:a16="http://schemas.microsoft.com/office/drawing/2014/main" id="{4E89E808-9970-B333-35F0-EAA5F040C236}"/>
-              </a:ext>
-            </a:extLst>
-          </p:cNvPr>
+          <p:cNvPr id="3" name="Footer Placeholder 2"/>
           <p:cNvSpPr>
             <a:spLocks noGrp="1"/>
           </p:cNvSpPr>
@@ -2097,13 +2142,7 @@
       </p:sp>
       <p:sp>
         <p:nvSpPr>
-          <p:cNvPr id="4" name="Slide Number Placeholder 3">
-            <a:extLst>
-              <a:ext uri="{FF2B5EF4-FFF2-40B4-BE49-F238E27FC236}">
-                <a16:creationId xmlns:a16="http://schemas.microsoft.com/office/drawing/2014/main" id="{EAADB3D7-E1EB-1926-53C7-3D5171F26C5C}"/>
-              </a:ext>
-            </a:extLst>
-          </p:cNvPr>
+          <p:cNvPr id="4" name="Slide Number Placeholder 3"/>
           <p:cNvSpPr>
             <a:spLocks noGrp="1"/>
           </p:cNvSpPr>
@@ -2127,7 +2166,7 @@
     </p:spTree>
     <p:extLst>
       <p:ext uri="{BB962C8B-B14F-4D97-AF65-F5344CB8AC3E}">
-        <p14:creationId xmlns:p14="http://schemas.microsoft.com/office/powerpoint/2010/main" val="2713515415"/>
+        <p14:creationId xmlns:p14="http://schemas.microsoft.com/office/powerpoint/2010/main" val="129976465"/>
       </p:ext>
     </p:extLst>
   </p:cSld>
@@ -2156,13 +2195,7 @@
       </p:grpSpPr>
       <p:sp>
         <p:nvSpPr>
-          <p:cNvPr id="2" name="Title 1">
-            <a:extLst>
-              <a:ext uri="{FF2B5EF4-FFF2-40B4-BE49-F238E27FC236}">
-                <a16:creationId xmlns:a16="http://schemas.microsoft.com/office/drawing/2014/main" id="{035B6A00-D820-2141-2687-2B5BFF94ADF2}"/>
-              </a:ext>
-            </a:extLst>
-          </p:cNvPr>
+          <p:cNvPr id="2" name="Title 1"/>
           <p:cNvSpPr>
             <a:spLocks noGrp="1"/>
           </p:cNvSpPr>
@@ -2172,15 +2205,17 @@
         </p:nvSpPr>
         <p:spPr>
           <a:xfrm>
-            <a:off x="839788" y="457200"/>
-            <a:ext cx="3932237" cy="1600200"/>
+            <a:off x="1444671" y="798973"/>
+            <a:ext cx="3273099" cy="2247117"/>
           </a:xfrm>
         </p:spPr>
         <p:txBody>
-          <a:bodyPr anchor="b"/>
+          <a:bodyPr anchor="b">
+            <a:normAutofit/>
+          </a:bodyPr>
           <a:lstStyle>
-            <a:lvl1pPr>
-              <a:defRPr sz="3200"/>
+            <a:lvl1pPr algn="l">
+              <a:defRPr sz="2400"/>
             </a:lvl1pPr>
           </a:lstStyle>
           <a:p>
@@ -2188,18 +2223,13 @@
               <a:rPr lang="en-US"/>
               <a:t>Click to edit Master title style</a:t>
             </a:r>
-          </a:p>
-        </p:txBody>
-      </p:sp>
-      <p:sp>
-        <p:nvSpPr>
-          <p:cNvPr id="3" name="Content Placeholder 2">
-            <a:extLst>
-              <a:ext uri="{FF2B5EF4-FFF2-40B4-BE49-F238E27FC236}">
-                <a16:creationId xmlns:a16="http://schemas.microsoft.com/office/drawing/2014/main" id="{887D20CE-015B-0702-F132-FA3FC3D00CF7}"/>
-              </a:ext>
-            </a:extLst>
-          </p:cNvPr>
+            <a:endParaRPr lang="en-US" dirty="0"/>
+          </a:p>
+        </p:txBody>
+      </p:sp>
+      <p:sp>
+        <p:nvSpPr>
+          <p:cNvPr id="3" name="Content Placeholder 2"/>
           <p:cNvSpPr>
             <a:spLocks noGrp="1"/>
           </p:cNvSpPr>
@@ -2209,41 +2239,13 @@
         </p:nvSpPr>
         <p:spPr>
           <a:xfrm>
-            <a:off x="5183188" y="987425"/>
-            <a:ext cx="6172200" cy="4873625"/>
+            <a:off x="5043714" y="798974"/>
+            <a:ext cx="6012470" cy="4658826"/>
           </a:xfrm>
         </p:spPr>
         <p:txBody>
-          <a:bodyPr/>
-          <a:lstStyle>
-            <a:lvl1pPr>
-              <a:defRPr sz="3200"/>
-            </a:lvl1pPr>
-            <a:lvl2pPr>
-              <a:defRPr sz="2800"/>
-            </a:lvl2pPr>
-            <a:lvl3pPr>
-              <a:defRPr sz="2400"/>
-            </a:lvl3pPr>
-            <a:lvl4pPr>
-              <a:defRPr sz="2000"/>
-            </a:lvl4pPr>
-            <a:lvl5pPr>
-              <a:defRPr sz="2000"/>
-            </a:lvl5pPr>
-            <a:lvl6pPr>
-              <a:defRPr sz="2000"/>
-            </a:lvl6pPr>
-            <a:lvl7pPr>
-              <a:defRPr sz="2000"/>
-            </a:lvl7pPr>
-            <a:lvl8pPr>
-              <a:defRPr sz="2000"/>
-            </a:lvl8pPr>
-            <a:lvl9pPr>
-              <a:defRPr sz="2000"/>
-            </a:lvl9pPr>
-          </a:lstStyle>
+          <a:bodyPr anchor="ctr"/>
+          <a:lstStyle/>
           <a:p>
             <a:pPr lvl="0"/>
             <a:r>
@@ -2278,18 +2280,13 @@
               <a:rPr lang="en-US"/>
               <a:t>Fifth level</a:t>
             </a:r>
-          </a:p>
-        </p:txBody>
-      </p:sp>
-      <p:sp>
-        <p:nvSpPr>
-          <p:cNvPr id="4" name="Text Placeholder 3">
-            <a:extLst>
-              <a:ext uri="{FF2B5EF4-FFF2-40B4-BE49-F238E27FC236}">
-                <a16:creationId xmlns:a16="http://schemas.microsoft.com/office/drawing/2014/main" id="{08EF2E02-FC74-BF40-53EB-D8058F4B1D38}"/>
-              </a:ext>
-            </a:extLst>
-          </p:cNvPr>
+            <a:endParaRPr lang="en-US" dirty="0"/>
+          </a:p>
+        </p:txBody>
+      </p:sp>
+      <p:sp>
+        <p:nvSpPr>
+          <p:cNvPr id="4" name="Text Placeholder 3"/>
           <p:cNvSpPr>
             <a:spLocks noGrp="1"/>
           </p:cNvSpPr>
@@ -2299,14 +2296,14 @@
         </p:nvSpPr>
         <p:spPr>
           <a:xfrm>
-            <a:off x="839788" y="2057400"/>
-            <a:ext cx="3932237" cy="3811588"/>
+            <a:off x="1444671" y="3205491"/>
+            <a:ext cx="3275013" cy="2248181"/>
           </a:xfrm>
         </p:spPr>
         <p:txBody>
           <a:bodyPr/>
           <a:lstStyle>
-            <a:lvl1pPr marL="0" indent="0">
+            <a:lvl1pPr marL="0" indent="0" algn="l">
               <a:buNone/>
               <a:defRPr sz="1600"/>
             </a:lvl1pPr>
@@ -2354,13 +2351,7 @@
       </p:sp>
       <p:sp>
         <p:nvSpPr>
-          <p:cNvPr id="5" name="Date Placeholder 4">
-            <a:extLst>
-              <a:ext uri="{FF2B5EF4-FFF2-40B4-BE49-F238E27FC236}">
-                <a16:creationId xmlns:a16="http://schemas.microsoft.com/office/drawing/2014/main" id="{4B383B63-A359-29E4-5D72-1C2058193B0B}"/>
-              </a:ext>
-            </a:extLst>
-          </p:cNvPr>
+          <p:cNvPr id="5" name="Date Placeholder 4"/>
           <p:cNvSpPr>
             <a:spLocks noGrp="1"/>
           </p:cNvSpPr>
@@ -2383,13 +2374,7 @@
       </p:sp>
       <p:sp>
         <p:nvSpPr>
-          <p:cNvPr id="6" name="Footer Placeholder 5">
-            <a:extLst>
-              <a:ext uri="{FF2B5EF4-FFF2-40B4-BE49-F238E27FC236}">
-                <a16:creationId xmlns:a16="http://schemas.microsoft.com/office/drawing/2014/main" id="{059279C4-A589-F6C7-7494-E0C1C6E58CF3}"/>
-              </a:ext>
-            </a:extLst>
-          </p:cNvPr>
+          <p:cNvPr id="6" name="Footer Placeholder 5"/>
           <p:cNvSpPr>
             <a:spLocks noGrp="1"/>
           </p:cNvSpPr>
@@ -2408,13 +2393,7 @@
       </p:sp>
       <p:sp>
         <p:nvSpPr>
-          <p:cNvPr id="7" name="Slide Number Placeholder 6">
-            <a:extLst>
-              <a:ext uri="{FF2B5EF4-FFF2-40B4-BE49-F238E27FC236}">
-                <a16:creationId xmlns:a16="http://schemas.microsoft.com/office/drawing/2014/main" id="{307B6B83-46F4-F552-9293-4A647FAFCA63}"/>
-              </a:ext>
-            </a:extLst>
-          </p:cNvPr>
+          <p:cNvPr id="7" name="Slide Number Placeholder 6"/>
           <p:cNvSpPr>
             <a:spLocks noGrp="1"/>
           </p:cNvSpPr>
@@ -2435,10 +2414,41 @@
           </a:p>
         </p:txBody>
       </p:sp>
+      <p:cxnSp>
+        <p:nvCxnSpPr>
+          <p:cNvPr id="17" name="Straight Connector 16"/>
+          <p:cNvCxnSpPr/>
+          <p:nvPr/>
+        </p:nvCxnSpPr>
+        <p:spPr>
+          <a:xfrm>
+            <a:off x="1448280" y="3205491"/>
+            <a:ext cx="3269490" cy="0"/>
+          </a:xfrm>
+          <a:prstGeom prst="line">
+            <a:avLst/>
+          </a:prstGeom>
+          <a:ln w="31750"/>
+        </p:spPr>
+        <p:style>
+          <a:lnRef idx="3">
+            <a:schemeClr val="accent1"/>
+          </a:lnRef>
+          <a:fillRef idx="0">
+            <a:schemeClr val="accent1"/>
+          </a:fillRef>
+          <a:effectRef idx="2">
+            <a:schemeClr val="accent1"/>
+          </a:effectRef>
+          <a:fontRef idx="minor">
+            <a:schemeClr val="tx1"/>
+          </a:fontRef>
+        </p:style>
+      </p:cxnSp>
     </p:spTree>
     <p:extLst>
       <p:ext uri="{BB962C8B-B14F-4D97-AF65-F5344CB8AC3E}">
-        <p14:creationId xmlns:p14="http://schemas.microsoft.com/office/powerpoint/2010/main" val="399726510"/>
+        <p14:creationId xmlns:p14="http://schemas.microsoft.com/office/powerpoint/2010/main" val="3146129530"/>
       </p:ext>
     </p:extLst>
   </p:cSld>
@@ -2465,15 +2475,143 @@
           <a:chExt cx="0" cy="0"/>
         </a:xfrm>
       </p:grpSpPr>
-      <p:sp>
-        <p:nvSpPr>
-          <p:cNvPr id="2" name="Title 1">
-            <a:extLst>
-              <a:ext uri="{FF2B5EF4-FFF2-40B4-BE49-F238E27FC236}">
-                <a16:creationId xmlns:a16="http://schemas.microsoft.com/office/drawing/2014/main" id="{07A3772B-A273-D042-0FEA-D42C4633F0CB}"/>
-              </a:ext>
-            </a:extLst>
-          </p:cNvPr>
+      <p:grpSp>
+        <p:nvGrpSpPr>
+          <p:cNvPr id="8" name="Group 7"/>
+          <p:cNvGrpSpPr/>
+          <p:nvPr/>
+        </p:nvGrpSpPr>
+        <p:grpSpPr>
+          <a:xfrm>
+            <a:off x="7477387" y="482170"/>
+            <a:ext cx="4074533" cy="5149101"/>
+            <a:chOff x="7477387" y="482170"/>
+            <a:chExt cx="4074533" cy="5149101"/>
+          </a:xfrm>
+        </p:grpSpPr>
+        <p:sp>
+          <p:nvSpPr>
+            <p:cNvPr id="18" name="Rectangle 17"/>
+            <p:cNvSpPr/>
+            <p:nvPr/>
+          </p:nvSpPr>
+          <p:spPr bwMode="black">
+            <a:xfrm>
+              <a:off x="7477387" y="482170"/>
+              <a:ext cx="4074533" cy="5149101"/>
+            </a:xfrm>
+            <a:prstGeom prst="rect">
+              <a:avLst/>
+            </a:prstGeom>
+            <a:gradFill>
+              <a:gsLst>
+                <a:gs pos="0">
+                  <a:srgbClr val="000001"/>
+                </a:gs>
+                <a:gs pos="100000">
+                  <a:srgbClr val="191919"/>
+                </a:gs>
+              </a:gsLst>
+            </a:gradFill>
+            <a:ln w="76200" cmpd="sng">
+              <a:noFill/>
+              <a:miter lim="800000"/>
+            </a:ln>
+            <a:effectLst>
+              <a:outerShdw blurRad="127000" dist="228600" dir="4740000" sx="98000" sy="98000" algn="tl" rotWithShape="0">
+                <a:srgbClr val="000000">
+                  <a:alpha val="34000"/>
+                </a:srgbClr>
+              </a:outerShdw>
+            </a:effectLst>
+            <a:scene3d>
+              <a:camera prst="orthographicFront"/>
+              <a:lightRig rig="threePt" dir="t"/>
+            </a:scene3d>
+            <a:sp3d>
+              <a:bevelT w="152400" h="50800" prst="softRound"/>
+            </a:sp3d>
+          </p:spPr>
+          <p:style>
+            <a:lnRef idx="1">
+              <a:schemeClr val="accent1"/>
+            </a:lnRef>
+            <a:fillRef idx="3">
+              <a:schemeClr val="accent1"/>
+            </a:fillRef>
+            <a:effectRef idx="2">
+              <a:schemeClr val="accent1"/>
+            </a:effectRef>
+            <a:fontRef idx="minor">
+              <a:schemeClr val="lt1"/>
+            </a:fontRef>
+          </p:style>
+        </p:sp>
+        <p:sp>
+          <p:nvSpPr>
+            <p:cNvPr id="19" name="Rectangle 18"/>
+            <p:cNvSpPr/>
+            <p:nvPr/>
+          </p:nvSpPr>
+          <p:spPr bwMode="blackWhite">
+            <a:xfrm>
+              <a:off x="7790446" y="812506"/>
+              <a:ext cx="3450289" cy="4466452"/>
+            </a:xfrm>
+            <a:prstGeom prst="rect">
+              <a:avLst/>
+            </a:prstGeom>
+            <a:gradFill>
+              <a:gsLst>
+                <a:gs pos="0">
+                  <a:srgbClr val="DADADA"/>
+                </a:gs>
+                <a:gs pos="100000">
+                  <a:srgbClr val="FFFFFE"/>
+                </a:gs>
+              </a:gsLst>
+              <a:lin ang="16200000" scaled="0"/>
+            </a:gradFill>
+            <a:ln w="50800" cmpd="sng">
+              <a:solidFill>
+                <a:srgbClr val="191919"/>
+              </a:solidFill>
+              <a:miter lim="800000"/>
+            </a:ln>
+            <a:effectLst>
+              <a:innerShdw blurRad="63500" dist="88900" dir="14100000">
+                <a:srgbClr val="000000">
+                  <a:alpha val="30000"/>
+                </a:srgbClr>
+              </a:innerShdw>
+            </a:effectLst>
+            <a:scene3d>
+              <a:camera prst="orthographicFront"/>
+              <a:lightRig rig="threePt" dir="t"/>
+            </a:scene3d>
+            <a:sp3d>
+              <a:bevelT prst="relaxedInset"/>
+            </a:sp3d>
+          </p:spPr>
+          <p:style>
+            <a:lnRef idx="1">
+              <a:schemeClr val="accent1"/>
+            </a:lnRef>
+            <a:fillRef idx="3">
+              <a:schemeClr val="accent1"/>
+            </a:fillRef>
+            <a:effectRef idx="2">
+              <a:schemeClr val="accent1"/>
+            </a:effectRef>
+            <a:fontRef idx="minor">
+              <a:schemeClr val="lt1"/>
+            </a:fontRef>
+          </p:style>
+        </p:sp>
+      </p:grpSp>
+      <p:sp>
+        <p:nvSpPr>
+          <p:cNvPr id="2" name="Title 1"/>
           <p:cNvSpPr>
             <a:spLocks noGrp="1"/>
           </p:cNvSpPr>
@@ -2483,12 +2621,14 @@
         </p:nvSpPr>
         <p:spPr>
           <a:xfrm>
-            <a:off x="839788" y="457200"/>
-            <a:ext cx="3932237" cy="1600200"/>
+            <a:off x="1451206" y="1129513"/>
+            <a:ext cx="5532328" cy="1830584"/>
           </a:xfrm>
         </p:spPr>
         <p:txBody>
-          <a:bodyPr anchor="b"/>
+          <a:bodyPr anchor="b">
+            <a:normAutofit/>
+          </a:bodyPr>
           <a:lstStyle>
             <a:lvl1pPr>
               <a:defRPr sz="3200"/>
@@ -2499,20 +2639,15 @@
               <a:rPr lang="en-US"/>
               <a:t>Click to edit Master title style</a:t>
             </a:r>
-          </a:p>
-        </p:txBody>
-      </p:sp>
-      <p:sp>
-        <p:nvSpPr>
-          <p:cNvPr id="3" name="Picture Placeholder 2">
-            <a:extLst>
-              <a:ext uri="{FF2B5EF4-FFF2-40B4-BE49-F238E27FC236}">
-                <a16:creationId xmlns:a16="http://schemas.microsoft.com/office/drawing/2014/main" id="{472E645A-D6B9-5196-7F9F-70912BD34FB2}"/>
-              </a:ext>
-            </a:extLst>
-          </p:cNvPr>
-          <p:cNvSpPr>
-            <a:spLocks noGrp="1"/>
+            <a:endParaRPr lang="en-US" dirty="0"/>
+          </a:p>
+        </p:txBody>
+      </p:sp>
+      <p:sp>
+        <p:nvSpPr>
+          <p:cNvPr id="3" name="Picture Placeholder 2"/>
+          <p:cNvSpPr>
+            <a:spLocks noGrp="1" noChangeAspect="1"/>
           </p:cNvSpPr>
           <p:nvPr>
             <p:ph type="pic" idx="1"/>
@@ -2520,14 +2655,24 @@
         </p:nvSpPr>
         <p:spPr>
           <a:xfrm>
-            <a:off x="5183188" y="987425"/>
-            <a:ext cx="6172200" cy="4873625"/>
+            <a:off x="8124389" y="1122542"/>
+            <a:ext cx="2791171" cy="3866327"/>
           </a:xfrm>
+          <a:solidFill>
+            <a:schemeClr val="bg1">
+              <a:lumMod val="85000"/>
+            </a:schemeClr>
+          </a:solidFill>
+          <a:ln w="9525" cap="sq">
+            <a:noFill/>
+            <a:miter lim="800000"/>
+          </a:ln>
+          <a:effectLst/>
         </p:spPr>
         <p:txBody>
-          <a:bodyPr/>
+          <a:bodyPr anchor="t"/>
           <a:lstStyle>
-            <a:lvl1pPr marL="0" indent="0">
+            <a:lvl1pPr marL="0" indent="0" algn="ctr">
               <a:buNone/>
               <a:defRPr sz="3200"/>
             </a:lvl1pPr>
@@ -2565,19 +2710,17 @@
             </a:lvl9pPr>
           </a:lstStyle>
           <a:p>
-            <a:endParaRPr lang="en-US"/>
-          </a:p>
-        </p:txBody>
-      </p:sp>
-      <p:sp>
-        <p:nvSpPr>
-          <p:cNvPr id="4" name="Text Placeholder 3">
-            <a:extLst>
-              <a:ext uri="{FF2B5EF4-FFF2-40B4-BE49-F238E27FC236}">
-                <a16:creationId xmlns:a16="http://schemas.microsoft.com/office/drawing/2014/main" id="{F331DACE-F6D0-36E1-3994-56CB434FB6F4}"/>
-              </a:ext>
-            </a:extLst>
-          </p:cNvPr>
+            <a:r>
+              <a:rPr lang="en-US"/>
+              <a:t>Click icon to add picture</a:t>
+            </a:r>
+            <a:endParaRPr lang="en-US" dirty="0"/>
+          </a:p>
+        </p:txBody>
+      </p:sp>
+      <p:sp>
+        <p:nvSpPr>
+          <p:cNvPr id="4" name="Text Placeholder 3"/>
           <p:cNvSpPr>
             <a:spLocks noGrp="1"/>
           </p:cNvSpPr>
@@ -2587,16 +2730,18 @@
         </p:nvSpPr>
         <p:spPr>
           <a:xfrm>
-            <a:off x="839788" y="2057400"/>
-            <a:ext cx="3932237" cy="3811588"/>
+            <a:off x="1450329" y="3145992"/>
+            <a:ext cx="5524404" cy="2003742"/>
           </a:xfrm>
         </p:spPr>
         <p:txBody>
-          <a:bodyPr/>
+          <a:bodyPr>
+            <a:normAutofit/>
+          </a:bodyPr>
           <a:lstStyle>
-            <a:lvl1pPr marL="0" indent="0">
-              <a:buNone/>
-              <a:defRPr sz="1600"/>
+            <a:lvl1pPr marL="0" indent="0" algn="l">
+              <a:buNone/>
+              <a:defRPr sz="1800"/>
             </a:lvl1pPr>
             <a:lvl2pPr marL="457200" indent="0">
               <a:buNone/>
@@ -2642,13 +2787,7 @@
       </p:sp>
       <p:sp>
         <p:nvSpPr>
-          <p:cNvPr id="5" name="Date Placeholder 4">
-            <a:extLst>
-              <a:ext uri="{FF2B5EF4-FFF2-40B4-BE49-F238E27FC236}">
-                <a16:creationId xmlns:a16="http://schemas.microsoft.com/office/drawing/2014/main" id="{786779FB-E1C7-06FF-D349-5AC3D9730CEB}"/>
-              </a:ext>
-            </a:extLst>
-          </p:cNvPr>
+          <p:cNvPr id="5" name="Date Placeholder 4"/>
           <p:cNvSpPr>
             <a:spLocks noGrp="1"/>
           </p:cNvSpPr>
@@ -2656,10 +2795,19 @@
             <p:ph type="dt" sz="half" idx="10"/>
           </p:nvPr>
         </p:nvSpPr>
-        <p:spPr/>
-        <p:txBody>
-          <a:bodyPr/>
-          <a:lstStyle/>
+        <p:spPr>
+          <a:xfrm>
+            <a:off x="1447382" y="5469856"/>
+            <a:ext cx="5527351" cy="320123"/>
+          </a:xfrm>
+        </p:spPr>
+        <p:txBody>
+          <a:bodyPr/>
+          <a:lstStyle>
+            <a:lvl1pPr algn="l">
+              <a:defRPr/>
+            </a:lvl1pPr>
+          </a:lstStyle>
           <a:p>
             <a:fld id="{C1244B5F-A080-A345-B738-2F0239A2B5B8}" type="datetimeFigureOut">
               <a:rPr lang="en-US" smtClean="0"/>
@@ -2671,13 +2819,7 @@
       </p:sp>
       <p:sp>
         <p:nvSpPr>
-          <p:cNvPr id="6" name="Footer Placeholder 5">
-            <a:extLst>
-              <a:ext uri="{FF2B5EF4-FFF2-40B4-BE49-F238E27FC236}">
-                <a16:creationId xmlns:a16="http://schemas.microsoft.com/office/drawing/2014/main" id="{E6DC8D5F-25EE-B08C-C465-0153DFD0D5D7}"/>
-              </a:ext>
-            </a:extLst>
-          </p:cNvPr>
+          <p:cNvPr id="6" name="Footer Placeholder 5"/>
           <p:cNvSpPr>
             <a:spLocks noGrp="1"/>
           </p:cNvSpPr>
@@ -2685,7 +2827,12 @@
             <p:ph type="ftr" sz="quarter" idx="11"/>
           </p:nvPr>
         </p:nvSpPr>
-        <p:spPr/>
+        <p:spPr>
+          <a:xfrm>
+            <a:off x="1447382" y="318640"/>
+            <a:ext cx="5541004" cy="320931"/>
+          </a:xfrm>
+        </p:spPr>
         <p:txBody>
           <a:bodyPr/>
           <a:lstStyle/>
@@ -2696,13 +2843,7 @@
       </p:sp>
       <p:sp>
         <p:nvSpPr>
-          <p:cNvPr id="7" name="Slide Number Placeholder 6">
-            <a:extLst>
-              <a:ext uri="{FF2B5EF4-FFF2-40B4-BE49-F238E27FC236}">
-                <a16:creationId xmlns:a16="http://schemas.microsoft.com/office/drawing/2014/main" id="{14247C95-87D7-ABB1-B886-F5C9A06103D7}"/>
-              </a:ext>
-            </a:extLst>
-          </p:cNvPr>
+          <p:cNvPr id="7" name="Slide Number Placeholder 6"/>
           <p:cNvSpPr>
             <a:spLocks noGrp="1"/>
           </p:cNvSpPr>
@@ -2723,10 +2864,41 @@
           </a:p>
         </p:txBody>
       </p:sp>
+      <p:cxnSp>
+        <p:nvCxnSpPr>
+          <p:cNvPr id="31" name="Straight Connector 30"/>
+          <p:cNvCxnSpPr/>
+          <p:nvPr/>
+        </p:nvCxnSpPr>
+        <p:spPr>
+          <a:xfrm>
+            <a:off x="1447382" y="3143605"/>
+            <a:ext cx="5527351" cy="0"/>
+          </a:xfrm>
+          <a:prstGeom prst="line">
+            <a:avLst/>
+          </a:prstGeom>
+          <a:ln w="31750"/>
+        </p:spPr>
+        <p:style>
+          <a:lnRef idx="3">
+            <a:schemeClr val="accent1"/>
+          </a:lnRef>
+          <a:fillRef idx="0">
+            <a:schemeClr val="accent1"/>
+          </a:fillRef>
+          <a:effectRef idx="2">
+            <a:schemeClr val="accent1"/>
+          </a:effectRef>
+          <a:fontRef idx="minor">
+            <a:schemeClr val="tx1"/>
+          </a:fontRef>
+        </p:style>
+      </p:cxnSp>
     </p:spTree>
     <p:extLst>
       <p:ext uri="{BB962C8B-B14F-4D97-AF65-F5344CB8AC3E}">
-        <p14:creationId xmlns:p14="http://schemas.microsoft.com/office/powerpoint/2010/main" val="1407236463"/>
+        <p14:creationId xmlns:p14="http://schemas.microsoft.com/office/powerpoint/2010/main" val="4154425753"/>
       </p:ext>
     </p:extLst>
   </p:cSld>
@@ -2740,8 +2912,8 @@
 <p:sldMaster xmlns:a="http://schemas.openxmlformats.org/drawingml/2006/main" xmlns:r="http://schemas.openxmlformats.org/officeDocument/2006/relationships" xmlns:p="http://schemas.openxmlformats.org/presentationml/2006/main">
   <p:cSld>
     <p:bg>
-      <p:bgRef idx="1001">
-        <a:schemeClr val="bg1"/>
+      <p:bgRef idx="1003">
+        <a:schemeClr val="bg2"/>
       </p:bgRef>
     </p:bg>
     <p:spTree>
@@ -2760,139 +2932,201 @@
       </p:grpSpPr>
       <p:sp>
         <p:nvSpPr>
-          <p:cNvPr id="2" name="Title Placeholder 1">
+          <p:cNvPr id="8" name="Rectangle 7"/>
+          <p:cNvSpPr/>
+          <p:nvPr/>
+        </p:nvSpPr>
+        <p:spPr>
+          <a:xfrm>
+            <a:off x="0" y="2019476"/>
+            <a:ext cx="12192000" cy="4105941"/>
+          </a:xfrm>
+          <a:prstGeom prst="rect">
+            <a:avLst/>
+          </a:prstGeom>
+          <a:gradFill flip="none" rotWithShape="1">
+            <a:gsLst>
+              <a:gs pos="0">
+                <a:schemeClr val="bg2">
+                  <a:alpha val="0"/>
+                </a:schemeClr>
+              </a:gs>
+              <a:gs pos="100000">
+                <a:schemeClr val="bg2"/>
+              </a:gs>
+            </a:gsLst>
+            <a:lin ang="5400000" scaled="0"/>
+            <a:tileRect/>
+          </a:gradFill>
+          <a:ln>
+            <a:noFill/>
+          </a:ln>
+        </p:spPr>
+        <p:style>
+          <a:lnRef idx="2">
+            <a:schemeClr val="accent1">
+              <a:shade val="50000"/>
+            </a:schemeClr>
+          </a:lnRef>
+          <a:fillRef idx="1">
+            <a:schemeClr val="accent1"/>
+          </a:fillRef>
+          <a:effectRef idx="0">
+            <a:schemeClr val="accent1"/>
+          </a:effectRef>
+          <a:fontRef idx="minor">
+            <a:schemeClr val="lt1"/>
+          </a:fontRef>
+        </p:style>
+      </p:sp>
+      <p:pic>
+        <p:nvPicPr>
+          <p:cNvPr id="7" name="Picture 6"/>
+          <p:cNvPicPr>
+            <a:picLocks noChangeAspect="1"/>
+          </p:cNvPicPr>
+          <p:nvPr/>
+        </p:nvPicPr>
+        <p:blipFill rotWithShape="1">
+          <a:blip r:embed="rId13">
             <a:extLst>
-              <a:ext uri="{FF2B5EF4-FFF2-40B4-BE49-F238E27FC236}">
-                <a16:creationId xmlns:a16="http://schemas.microsoft.com/office/drawing/2014/main" id="{B0EC1B92-A7DD-A401-4E65-2609F7101EED}"/>
+              <a:ext uri="{28A0092B-C50C-407E-A947-70E740481C1C}">
+                <a14:useLocalDpi xmlns:a14="http://schemas.microsoft.com/office/drawing/2010/main" val="0"/>
               </a:ext>
             </a:extLst>
-          </p:cNvPr>
-          <p:cNvSpPr>
-            <a:spLocks noGrp="1"/>
-          </p:cNvSpPr>
-          <p:nvPr>
-            <p:ph type="title"/>
-          </p:nvPr>
-        </p:nvSpPr>
-        <p:spPr>
+          </a:blip>
+          <a:srcRect t="1538" b="-1538"/>
+          <a:stretch/>
+        </p:blipFill>
+        <p:spPr bwMode="black">
           <a:xfrm>
-            <a:off x="838200" y="365125"/>
-            <a:ext cx="10515600" cy="1325563"/>
+            <a:off x="0" y="6126480"/>
+            <a:ext cx="12192000" cy="742950"/>
           </a:xfrm>
           <a:prstGeom prst="rect">
             <a:avLst/>
           </a:prstGeom>
         </p:spPr>
-        <p:txBody>
-          <a:bodyPr vert="horz" lIns="91440" tIns="45720" rIns="91440" bIns="45720" rtlCol="0" anchor="ctr">
-            <a:normAutofit/>
-          </a:bodyPr>
-          <a:lstStyle/>
-          <a:p>
-            <a:r>
-              <a:rPr lang="en-US"/>
-              <a:t>Click to edit Master title style</a:t>
-            </a:r>
-          </a:p>
-        </p:txBody>
-      </p:sp>
-      <p:sp>
-        <p:nvSpPr>
-          <p:cNvPr id="3" name="Text Placeholder 2">
-            <a:extLst>
-              <a:ext uri="{FF2B5EF4-FFF2-40B4-BE49-F238E27FC236}">
-                <a16:creationId xmlns:a16="http://schemas.microsoft.com/office/drawing/2014/main" id="{4BA523FB-16F5-ACBB-8FBD-C8C26C7CA7DE}"/>
-              </a:ext>
-            </a:extLst>
-          </p:cNvPr>
-          <p:cNvSpPr>
-            <a:spLocks noGrp="1"/>
-          </p:cNvSpPr>
-          <p:nvPr>
-            <p:ph type="body" idx="1"/>
+      </p:pic>
+      <p:sp>
+        <p:nvSpPr>
+          <p:cNvPr id="2" name="Title Placeholder 1"/>
+          <p:cNvSpPr>
+            <a:spLocks noGrp="1"/>
+          </p:cNvSpPr>
+          <p:nvPr>
+            <p:ph type="title"/>
           </p:nvPr>
         </p:nvSpPr>
         <p:spPr>
           <a:xfrm>
-            <a:off x="838200" y="1825625"/>
-            <a:ext cx="10515600" cy="4351338"/>
+            <a:off x="1451579" y="804519"/>
+            <a:ext cx="9603275" cy="1049235"/>
           </a:xfrm>
           <a:prstGeom prst="rect">
             <a:avLst/>
           </a:prstGeom>
         </p:spPr>
         <p:txBody>
-          <a:bodyPr vert="horz" lIns="91440" tIns="45720" rIns="91440" bIns="45720" rtlCol="0">
+          <a:bodyPr vert="horz" lIns="91440" tIns="45720" rIns="91440" bIns="45720" rtlCol="0" anchor="t">
             <a:normAutofit/>
           </a:bodyPr>
           <a:lstStyle/>
           <a:p>
-            <a:pPr lvl="0"/>
-            <a:r>
-              <a:rPr lang="en-US"/>
-              <a:t>Click to edit Master text styles</a:t>
-            </a:r>
-          </a:p>
-          <a:p>
-            <a:pPr lvl="1"/>
-            <a:r>
-              <a:rPr lang="en-US"/>
-              <a:t>Second level</a:t>
-            </a:r>
-          </a:p>
-          <a:p>
-            <a:pPr lvl="2"/>
-            <a:r>
-              <a:rPr lang="en-US"/>
-              <a:t>Third level</a:t>
-            </a:r>
-          </a:p>
-          <a:p>
-            <a:pPr lvl="3"/>
-            <a:r>
-              <a:rPr lang="en-US"/>
-              <a:t>Fourth level</a:t>
-            </a:r>
-          </a:p>
-          <a:p>
-            <a:pPr lvl="4"/>
-            <a:r>
-              <a:rPr lang="en-US"/>
-              <a:t>Fifth level</a:t>
-            </a:r>
-          </a:p>
-        </p:txBody>
-      </p:sp>
-      <p:sp>
-        <p:nvSpPr>
-          <p:cNvPr id="4" name="Date Placeholder 3">
-            <a:extLst>
-              <a:ext uri="{FF2B5EF4-FFF2-40B4-BE49-F238E27FC236}">
-                <a16:creationId xmlns:a16="http://schemas.microsoft.com/office/drawing/2014/main" id="{D690D116-EEA5-DB42-A7CD-0B75AB42F1F5}"/>
-              </a:ext>
-            </a:extLst>
-          </p:cNvPr>
-          <p:cNvSpPr>
-            <a:spLocks noGrp="1"/>
-          </p:cNvSpPr>
-          <p:nvPr>
-            <p:ph type="dt" sz="half" idx="2"/>
+            <a:r>
+              <a:rPr lang="en-US"/>
+              <a:t>Click to edit Master title style</a:t>
+            </a:r>
+            <a:endParaRPr lang="en-US" dirty="0"/>
+          </a:p>
+        </p:txBody>
+      </p:sp>
+      <p:sp>
+        <p:nvSpPr>
+          <p:cNvPr id="3" name="Text Placeholder 2"/>
+          <p:cNvSpPr>
+            <a:spLocks noGrp="1"/>
+          </p:cNvSpPr>
+          <p:nvPr>
+            <p:ph type="body" idx="1"/>
           </p:nvPr>
         </p:nvSpPr>
         <p:spPr>
           <a:xfrm>
-            <a:off x="838200" y="6356350"/>
-            <a:ext cx="2743200" cy="365125"/>
+            <a:off x="1451579" y="2015732"/>
+            <a:ext cx="9603275" cy="3450613"/>
           </a:xfrm>
           <a:prstGeom prst="rect">
             <a:avLst/>
           </a:prstGeom>
         </p:spPr>
         <p:txBody>
+          <a:bodyPr vert="horz" lIns="91440" tIns="45720" rIns="91440" bIns="45720" rtlCol="0">
+            <a:normAutofit/>
+          </a:bodyPr>
+          <a:lstStyle/>
+          <a:p>
+            <a:pPr lvl="0"/>
+            <a:r>
+              <a:rPr lang="en-US"/>
+              <a:t>Click to edit Master text styles</a:t>
+            </a:r>
+          </a:p>
+          <a:p>
+            <a:pPr lvl="1"/>
+            <a:r>
+              <a:rPr lang="en-US"/>
+              <a:t>Second level</a:t>
+            </a:r>
+          </a:p>
+          <a:p>
+            <a:pPr lvl="2"/>
+            <a:r>
+              <a:rPr lang="en-US"/>
+              <a:t>Third level</a:t>
+            </a:r>
+          </a:p>
+          <a:p>
+            <a:pPr lvl="3"/>
+            <a:r>
+              <a:rPr lang="en-US"/>
+              <a:t>Fourth level</a:t>
+            </a:r>
+          </a:p>
+          <a:p>
+            <a:pPr lvl="4"/>
+            <a:r>
+              <a:rPr lang="en-US"/>
+              <a:t>Fifth level</a:t>
+            </a:r>
+            <a:endParaRPr lang="en-US" dirty="0"/>
+          </a:p>
+        </p:txBody>
+      </p:sp>
+      <p:sp>
+        <p:nvSpPr>
+          <p:cNvPr id="4" name="Date Placeholder 3"/>
+          <p:cNvSpPr>
+            <a:spLocks noGrp="1"/>
+          </p:cNvSpPr>
+          <p:nvPr>
+            <p:ph type="dt" sz="half" idx="2"/>
+          </p:nvPr>
+        </p:nvSpPr>
+        <p:spPr>
+          <a:xfrm>
+            <a:off x="7554138" y="330370"/>
+            <a:ext cx="3500715" cy="309201"/>
+          </a:xfrm>
+          <a:prstGeom prst="rect">
+            <a:avLst/>
+          </a:prstGeom>
+        </p:spPr>
+        <p:txBody>
           <a:bodyPr vert="horz" lIns="91440" tIns="45720" rIns="91440" bIns="45720" rtlCol="0" anchor="ctr"/>
           <a:lstStyle>
-            <a:lvl1pPr algn="l">
-              <a:defRPr sz="1200">
+            <a:lvl1pPr algn="r">
+              <a:defRPr sz="1000">
                 <a:solidFill>
                   <a:schemeClr val="tx1">
                     <a:tint val="75000"/>
@@ -2912,13 +3146,7 @@
       </p:sp>
       <p:sp>
         <p:nvSpPr>
-          <p:cNvPr id="5" name="Footer Placeholder 4">
-            <a:extLst>
-              <a:ext uri="{FF2B5EF4-FFF2-40B4-BE49-F238E27FC236}">
-                <a16:creationId xmlns:a16="http://schemas.microsoft.com/office/drawing/2014/main" id="{106FE82E-D606-121A-9A45-FED10A6C9E12}"/>
-              </a:ext>
-            </a:extLst>
-          </p:cNvPr>
+          <p:cNvPr id="5" name="Footer Placeholder 4"/>
           <p:cNvSpPr>
             <a:spLocks noGrp="1"/>
           </p:cNvSpPr>
@@ -2928,8 +3156,8 @@
         </p:nvSpPr>
         <p:spPr>
           <a:xfrm>
-            <a:off x="4038600" y="6356350"/>
-            <a:ext cx="4114800" cy="365125"/>
+            <a:off x="1451579" y="329307"/>
+            <a:ext cx="5938836" cy="309201"/>
           </a:xfrm>
           <a:prstGeom prst="rect">
             <a:avLst/>
@@ -2938,8 +3166,8 @@
         <p:txBody>
           <a:bodyPr vert="horz" lIns="91440" tIns="45720" rIns="91440" bIns="45720" rtlCol="0" anchor="ctr"/>
           <a:lstStyle>
-            <a:lvl1pPr algn="ctr">
-              <a:defRPr sz="1200">
+            <a:lvl1pPr algn="l">
+              <a:defRPr sz="1000">
                 <a:solidFill>
                   <a:schemeClr val="tx1">
                     <a:tint val="75000"/>
@@ -2955,13 +3183,7 @@
       </p:sp>
       <p:sp>
         <p:nvSpPr>
-          <p:cNvPr id="6" name="Slide Number Placeholder 5">
-            <a:extLst>
-              <a:ext uri="{FF2B5EF4-FFF2-40B4-BE49-F238E27FC236}">
-                <a16:creationId xmlns:a16="http://schemas.microsoft.com/office/drawing/2014/main" id="{FC742911-DE59-60DA-3B2B-F7CBBAB0FA4D}"/>
-              </a:ext>
-            </a:extLst>
-          </p:cNvPr>
+          <p:cNvPr id="6" name="Slide Number Placeholder 5"/>
           <p:cNvSpPr>
             <a:spLocks noGrp="1"/>
           </p:cNvSpPr>
@@ -2971,22 +3193,20 @@
         </p:nvSpPr>
         <p:spPr>
           <a:xfrm>
-            <a:off x="8610600" y="6356350"/>
-            <a:ext cx="2743200" cy="365125"/>
+            <a:off x="480060" y="798973"/>
+            <a:ext cx="811019" cy="503578"/>
           </a:xfrm>
           <a:prstGeom prst="rect">
             <a:avLst/>
           </a:prstGeom>
         </p:spPr>
         <p:txBody>
-          <a:bodyPr vert="horz" lIns="91440" tIns="45720" rIns="91440" bIns="45720" rtlCol="0" anchor="ctr"/>
+          <a:bodyPr vert="horz" lIns="91440" tIns="45720" rIns="91440" bIns="45720" rtlCol="0" anchor="t"/>
           <a:lstStyle>
             <a:lvl1pPr algn="r">
-              <a:defRPr sz="1200">
+              <a:defRPr sz="2800">
                 <a:solidFill>
-                  <a:schemeClr val="tx1">
-                    <a:tint val="75000"/>
-                  </a:schemeClr>
+                  <a:schemeClr val="accent1"/>
                 </a:solidFill>
               </a:defRPr>
             </a:lvl1pPr>
@@ -3000,26 +3220,63 @@
           </a:p>
         </p:txBody>
       </p:sp>
+      <p:cxnSp>
+        <p:nvCxnSpPr>
+          <p:cNvPr id="10" name="Straight Connector 9"/>
+          <p:cNvCxnSpPr/>
+          <p:nvPr/>
+        </p:nvCxnSpPr>
+        <p:spPr>
+          <a:xfrm>
+            <a:off x="0" y="6128413"/>
+            <a:ext cx="12192000" cy="0"/>
+          </a:xfrm>
+          <a:prstGeom prst="line">
+            <a:avLst/>
+          </a:prstGeom>
+          <a:ln w="12700">
+            <a:solidFill>
+              <a:srgbClr val="000001">
+                <a:alpha val="20000"/>
+              </a:srgbClr>
+            </a:solidFill>
+          </a:ln>
+        </p:spPr>
+        <p:style>
+          <a:lnRef idx="1">
+            <a:schemeClr val="accent1"/>
+          </a:lnRef>
+          <a:fillRef idx="0">
+            <a:schemeClr val="accent1"/>
+          </a:fillRef>
+          <a:effectRef idx="0">
+            <a:schemeClr val="accent1"/>
+          </a:effectRef>
+          <a:fontRef idx="minor">
+            <a:schemeClr val="tx1"/>
+          </a:fontRef>
+        </p:style>
+      </p:cxnSp>
     </p:spTree>
     <p:extLst>
       <p:ext uri="{BB962C8B-B14F-4D97-AF65-F5344CB8AC3E}">
-        <p14:creationId xmlns:p14="http://schemas.microsoft.com/office/powerpoint/2010/main" val="160313162"/>
+        <p14:creationId xmlns:p14="http://schemas.microsoft.com/office/powerpoint/2010/main" val="670901465"/>
       </p:ext>
     </p:extLst>
   </p:cSld>
   <p:clrMap bg1="lt1" tx1="dk1" bg2="lt2" tx2="dk2" accent1="accent1" accent2="accent2" accent3="accent3" accent4="accent4" accent5="accent5" accent6="accent6" hlink="hlink" folHlink="folHlink"/>
   <p:sldLayoutIdLst>
-    <p:sldLayoutId id="2147483649" r:id="rId1"/>
-    <p:sldLayoutId id="2147483650" r:id="rId2"/>
-    <p:sldLayoutId id="2147483651" r:id="rId3"/>
-    <p:sldLayoutId id="2147483652" r:id="rId4"/>
-    <p:sldLayoutId id="2147483653" r:id="rId5"/>
-    <p:sldLayoutId id="2147483654" r:id="rId6"/>
-    <p:sldLayoutId id="2147483655" r:id="rId7"/>
-    <p:sldLayoutId id="2147483656" r:id="rId8"/>
-    <p:sldLayoutId id="2147483657" r:id="rId9"/>
-    <p:sldLayoutId id="2147483658" r:id="rId10"/>
-    <p:sldLayoutId id="2147483659" r:id="rId11"/>
+    <p:sldLayoutId id="2147483661" r:id="rId1"/>
+    <p:sldLayoutId id="2147483662" r:id="rId2"/>
+    <p:sldLayoutId id="2147483663" r:id="rId3"/>
+    <p:sldLayoutId id="2147483664" r:id="rId4"/>
+    <p:sldLayoutId id="2147483665" r:id="rId5"/>
+    <p:sldLayoutId id="2147483666" r:id="rId6"/>
+    <p:sldLayoutId id="2147483667" r:id="rId7"/>
+    <p:sldLayoutId id="2147483668" r:id="rId8"/>
+    <p:sldLayoutId id="2147483669" r:id="rId9"/>
+    <p:sldLayoutId id="2147483670" r:id="rId10"/>
+    <p:sldLayoutId id="2147483671" r:id="rId11"/>
   </p:sldLayoutIdLst>
   <p:txStyles>
     <p:titleStyle>
@@ -3031,10 +3288,11 @@
           <a:spcPct val="0"/>
         </a:spcBef>
         <a:buNone/>
-        <a:defRPr sz="4400" kern="1200">
+        <a:defRPr sz="3200" b="0" i="0" kern="1200" cap="all">
           <a:solidFill>
             <a:schemeClr val="tx1"/>
           </a:solidFill>
+          <a:effectLst/>
           <a:latin typeface="+mj-lt"/>
           <a:ea typeface="+mj-ea"/>
           <a:cs typeface="+mj-cs"/>
@@ -3044,17 +3302,22 @@
     <p:bodyStyle>
       <a:lvl1pPr marL="228600" indent="-228600" algn="l" defTabSz="914400" rtl="0" eaLnBrk="1" latinLnBrk="0" hangingPunct="1">
         <a:lnSpc>
-          <a:spcPct val="90000"/>
+          <a:spcPct val="120000"/>
         </a:lnSpc>
         <a:spcBef>
           <a:spcPts val="1000"/>
         </a:spcBef>
+        <a:buClr>
+          <a:schemeClr val="accent1"/>
+        </a:buClr>
+        <a:buSzPct val="100000"/>
         <a:buFont typeface="Arial" panose="020B0604020202020204" pitchFamily="34" charset="0"/>
         <a:buChar char="•"/>
-        <a:defRPr sz="2800" kern="1200">
+        <a:defRPr sz="2000" kern="1200">
           <a:solidFill>
             <a:schemeClr val="tx1"/>
           </a:solidFill>
+          <a:effectLst/>
           <a:latin typeface="+mn-lt"/>
           <a:ea typeface="+mn-ea"/>
           <a:cs typeface="+mn-cs"/>
@@ -3062,17 +3325,22 @@
       </a:lvl1pPr>
       <a:lvl2pPr marL="685800" indent="-228600" algn="l" defTabSz="914400" rtl="0" eaLnBrk="1" latinLnBrk="0" hangingPunct="1">
         <a:lnSpc>
-          <a:spcPct val="90000"/>
+          <a:spcPct val="120000"/>
         </a:lnSpc>
         <a:spcBef>
           <a:spcPts val="500"/>
         </a:spcBef>
+        <a:buClr>
+          <a:schemeClr val="accent1"/>
+        </a:buClr>
+        <a:buSzPct val="100000"/>
         <a:buFont typeface="Arial" panose="020B0604020202020204" pitchFamily="34" charset="0"/>
         <a:buChar char="•"/>
-        <a:defRPr sz="2400" kern="1200">
+        <a:defRPr sz="1800" kern="1200" cap="none" baseline="0">
           <a:solidFill>
             <a:schemeClr val="tx1"/>
           </a:solidFill>
+          <a:effectLst/>
           <a:latin typeface="+mn-lt"/>
           <a:ea typeface="+mn-ea"/>
           <a:cs typeface="+mn-cs"/>
@@ -3080,17 +3348,22 @@
       </a:lvl2pPr>
       <a:lvl3pPr marL="1143000" indent="-228600" algn="l" defTabSz="914400" rtl="0" eaLnBrk="1" latinLnBrk="0" hangingPunct="1">
         <a:lnSpc>
-          <a:spcPct val="90000"/>
+          <a:spcPct val="120000"/>
         </a:lnSpc>
         <a:spcBef>
           <a:spcPts val="500"/>
         </a:spcBef>
+        <a:buClr>
+          <a:schemeClr val="accent1"/>
+        </a:buClr>
+        <a:buSzPct val="100000"/>
         <a:buFont typeface="Arial" panose="020B0604020202020204" pitchFamily="34" charset="0"/>
         <a:buChar char="•"/>
-        <a:defRPr sz="2000" kern="1200">
+        <a:defRPr sz="1600" kern="1200">
           <a:solidFill>
             <a:schemeClr val="tx1"/>
           </a:solidFill>
+          <a:effectLst/>
           <a:latin typeface="+mn-lt"/>
           <a:ea typeface="+mn-ea"/>
           <a:cs typeface="+mn-cs"/>
@@ -3098,17 +3371,22 @@
       </a:lvl3pPr>
       <a:lvl4pPr marL="1600200" indent="-228600" algn="l" defTabSz="914400" rtl="0" eaLnBrk="1" latinLnBrk="0" hangingPunct="1">
         <a:lnSpc>
-          <a:spcPct val="90000"/>
+          <a:spcPct val="120000"/>
         </a:lnSpc>
         <a:spcBef>
           <a:spcPts val="500"/>
         </a:spcBef>
+        <a:buClr>
+          <a:schemeClr val="accent1"/>
+        </a:buClr>
+        <a:buSzPct val="100000"/>
         <a:buFont typeface="Arial" panose="020B0604020202020204" pitchFamily="34" charset="0"/>
         <a:buChar char="•"/>
-        <a:defRPr sz="1800" kern="1200">
+        <a:defRPr sz="1400" kern="1200" cap="none" baseline="0">
           <a:solidFill>
             <a:schemeClr val="tx1"/>
           </a:solidFill>
+          <a:effectLst/>
           <a:latin typeface="+mn-lt"/>
           <a:ea typeface="+mn-ea"/>
           <a:cs typeface="+mn-cs"/>
@@ -3116,17 +3394,22 @@
       </a:lvl4pPr>
       <a:lvl5pPr marL="2057400" indent="-228600" algn="l" defTabSz="914400" rtl="0" eaLnBrk="1" latinLnBrk="0" hangingPunct="1">
         <a:lnSpc>
-          <a:spcPct val="90000"/>
+          <a:spcPct val="120000"/>
         </a:lnSpc>
         <a:spcBef>
           <a:spcPts val="500"/>
         </a:spcBef>
+        <a:buClr>
+          <a:schemeClr val="accent1"/>
+        </a:buClr>
+        <a:buSzPct val="100000"/>
         <a:buFont typeface="Arial" panose="020B0604020202020204" pitchFamily="34" charset="0"/>
         <a:buChar char="•"/>
-        <a:defRPr sz="1800" kern="1200">
+        <a:defRPr sz="1200" kern="1200">
           <a:solidFill>
             <a:schemeClr val="tx1"/>
           </a:solidFill>
+          <a:effectLst/>
           <a:latin typeface="+mn-lt"/>
           <a:ea typeface="+mn-ea"/>
           <a:cs typeface="+mn-cs"/>
@@ -3134,17 +3417,22 @@
       </a:lvl5pPr>
       <a:lvl6pPr marL="2514600" indent="-228600" algn="l" defTabSz="914400" rtl="0" eaLnBrk="1" latinLnBrk="0" hangingPunct="1">
         <a:lnSpc>
-          <a:spcPct val="90000"/>
+          <a:spcPct val="120000"/>
         </a:lnSpc>
         <a:spcBef>
           <a:spcPts val="500"/>
         </a:spcBef>
+        <a:buClr>
+          <a:schemeClr val="accent1"/>
+        </a:buClr>
+        <a:buSzPct val="100000"/>
         <a:buFont typeface="Arial" panose="020B0604020202020204" pitchFamily="34" charset="0"/>
         <a:buChar char="•"/>
-        <a:defRPr sz="1800" kern="1200">
+        <a:defRPr sz="1200" kern="1200">
           <a:solidFill>
             <a:schemeClr val="tx1"/>
           </a:solidFill>
+          <a:effectLst/>
           <a:latin typeface="+mn-lt"/>
           <a:ea typeface="+mn-ea"/>
           <a:cs typeface="+mn-cs"/>
@@ -3152,17 +3440,22 @@
       </a:lvl6pPr>
       <a:lvl7pPr marL="2971800" indent="-228600" algn="l" defTabSz="914400" rtl="0" eaLnBrk="1" latinLnBrk="0" hangingPunct="1">
         <a:lnSpc>
-          <a:spcPct val="90000"/>
+          <a:spcPct val="120000"/>
         </a:lnSpc>
         <a:spcBef>
           <a:spcPts val="500"/>
         </a:spcBef>
+        <a:buClr>
+          <a:schemeClr val="accent1"/>
+        </a:buClr>
+        <a:buSzPct val="100000"/>
         <a:buFont typeface="Arial" panose="020B0604020202020204" pitchFamily="34" charset="0"/>
         <a:buChar char="•"/>
-        <a:defRPr sz="1800" kern="1200">
+        <a:defRPr sz="1200" kern="1200">
           <a:solidFill>
             <a:schemeClr val="tx1"/>
           </a:solidFill>
+          <a:effectLst/>
           <a:latin typeface="+mn-lt"/>
           <a:ea typeface="+mn-ea"/>
           <a:cs typeface="+mn-cs"/>
@@ -3170,17 +3463,22 @@
       </a:lvl7pPr>
       <a:lvl8pPr marL="3429000" indent="-228600" algn="l" defTabSz="914400" rtl="0" eaLnBrk="1" latinLnBrk="0" hangingPunct="1">
         <a:lnSpc>
-          <a:spcPct val="90000"/>
+          <a:spcPct val="120000"/>
         </a:lnSpc>
         <a:spcBef>
           <a:spcPts val="500"/>
         </a:spcBef>
+        <a:buClr>
+          <a:schemeClr val="accent1"/>
+        </a:buClr>
+        <a:buSzPct val="100000"/>
         <a:buFont typeface="Arial" panose="020B0604020202020204" pitchFamily="34" charset="0"/>
         <a:buChar char="•"/>
-        <a:defRPr sz="1800" kern="1200">
+        <a:defRPr sz="1200" kern="1200" baseline="0">
           <a:solidFill>
             <a:schemeClr val="tx1"/>
           </a:solidFill>
+          <a:effectLst/>
           <a:latin typeface="+mn-lt"/>
           <a:ea typeface="+mn-ea"/>
           <a:cs typeface="+mn-cs"/>
@@ -3188,17 +3486,22 @@
       </a:lvl8pPr>
       <a:lvl9pPr marL="3886200" indent="-228600" algn="l" defTabSz="914400" rtl="0" eaLnBrk="1" latinLnBrk="0" hangingPunct="1">
         <a:lnSpc>
-          <a:spcPct val="90000"/>
+          <a:spcPct val="120000"/>
         </a:lnSpc>
         <a:spcBef>
           <a:spcPts val="500"/>
         </a:spcBef>
+        <a:buClr>
+          <a:schemeClr val="accent1"/>
+        </a:buClr>
+        <a:buSzPct val="100000"/>
         <a:buFont typeface="Arial" panose="020B0604020202020204" pitchFamily="34" charset="0"/>
         <a:buChar char="•"/>
-        <a:defRPr sz="1800" kern="1200">
+        <a:defRPr sz="1200" kern="1200" baseline="0">
           <a:solidFill>
             <a:schemeClr val="tx1"/>
           </a:solidFill>
+          <a:effectLst/>
           <a:latin typeface="+mn-lt"/>
           <a:ea typeface="+mn-ea"/>
           <a:cs typeface="+mn-cs"/>
@@ -3326,6 +3629,201 @@
           <p:cNvPr id="2" name="Title 1">
             <a:extLst>
               <a:ext uri="{FF2B5EF4-FFF2-40B4-BE49-F238E27FC236}">
+                <a16:creationId xmlns:a16="http://schemas.microsoft.com/office/drawing/2014/main" id="{189311DD-F22F-160C-7F0C-F823F740090B}"/>
+              </a:ext>
+            </a:extLst>
+          </p:cNvPr>
+          <p:cNvSpPr>
+            <a:spLocks noGrp="1"/>
+          </p:cNvSpPr>
+          <p:nvPr>
+            <p:ph type="title"/>
+          </p:nvPr>
+        </p:nvSpPr>
+        <p:spPr/>
+        <p:txBody>
+          <a:bodyPr/>
+          <a:lstStyle/>
+          <a:p>
+            <a:r>
+              <a:rPr lang="en-US" dirty="0"/>
+              <a:t>Housekeeping</a:t>
+            </a:r>
+          </a:p>
+        </p:txBody>
+      </p:sp>
+      <p:sp>
+        <p:nvSpPr>
+          <p:cNvPr id="3" name="Content Placeholder 2">
+            <a:extLst>
+              <a:ext uri="{FF2B5EF4-FFF2-40B4-BE49-F238E27FC236}">
+                <a16:creationId xmlns:a16="http://schemas.microsoft.com/office/drawing/2014/main" id="{07B76776-8385-38B2-22DA-A418DF46774B}"/>
+              </a:ext>
+            </a:extLst>
+          </p:cNvPr>
+          <p:cNvSpPr>
+            <a:spLocks noGrp="1"/>
+          </p:cNvSpPr>
+          <p:nvPr>
+            <p:ph idx="1"/>
+          </p:nvPr>
+        </p:nvSpPr>
+        <p:spPr>
+          <a:xfrm>
+            <a:off x="1451579" y="2015732"/>
+            <a:ext cx="9603275" cy="4176346"/>
+          </a:xfrm>
+        </p:spPr>
+        <p:txBody>
+          <a:bodyPr/>
+          <a:lstStyle/>
+          <a:p>
+            <a:r>
+              <a:rPr lang="en-US" dirty="0"/>
+              <a:t>Lab solutions are in the repository. </a:t>
+            </a:r>
+          </a:p>
+          <a:p>
+            <a:r>
+              <a:rPr lang="en-US" dirty="0"/>
+              <a:t>Nov 2 class is cancelled for the conference. </a:t>
+            </a:r>
+          </a:p>
+          <a:p>
+            <a:pPr lvl="1"/>
+            <a:r>
+              <a:rPr lang="en-US" dirty="0"/>
+              <a:t>We’ll do the test the following Tuesday, pending your objections. </a:t>
+            </a:r>
+          </a:p>
+          <a:p>
+            <a:r>
+              <a:rPr lang="en-US" dirty="0"/>
+              <a:t>Today:</a:t>
+            </a:r>
+          </a:p>
+          <a:p>
+            <a:pPr lvl="1"/>
+            <a:r>
+              <a:rPr lang="en-US" dirty="0" err="1"/>
+              <a:t>Args</a:t>
+            </a:r>
+            <a:r>
+              <a:rPr lang="en-US" dirty="0"/>
+              <a:t> and </a:t>
+            </a:r>
+            <a:r>
+              <a:rPr lang="en-US" dirty="0" err="1"/>
+              <a:t>kwargs</a:t>
+            </a:r>
+            <a:r>
+              <a:rPr lang="en-US" dirty="0"/>
+              <a:t> – bulk arguments. Easy and simple. </a:t>
+            </a:r>
+          </a:p>
+          <a:p>
+            <a:pPr lvl="1"/>
+            <a:r>
+              <a:rPr lang="en-US" dirty="0"/>
+              <a:t>Poker Card/Deck/Hand.</a:t>
+            </a:r>
+          </a:p>
+          <a:p>
+            <a:pPr lvl="2"/>
+            <a:r>
+              <a:rPr lang="en-US" dirty="0"/>
+              <a:t>A realistic-</a:t>
+            </a:r>
+            <a:r>
+              <a:rPr lang="en-US" dirty="0" err="1"/>
+              <a:t>ish</a:t>
+            </a:r>
+            <a:r>
+              <a:rPr lang="en-US" dirty="0"/>
+              <a:t> example. </a:t>
+            </a:r>
+          </a:p>
+          <a:p>
+            <a:pPr lvl="2"/>
+            <a:r>
+              <a:rPr lang="en-US" dirty="0"/>
+              <a:t>A good chance to work through an open ended problem. </a:t>
+            </a:r>
+          </a:p>
+          <a:p>
+            <a:pPr lvl="2"/>
+            <a:r>
+              <a:rPr lang="en-US" dirty="0"/>
+              <a:t>We’ll carry this on later, as we get some more tools. </a:t>
+            </a:r>
+          </a:p>
+        </p:txBody>
+      </p:sp>
+      <p:pic>
+        <p:nvPicPr>
+          <p:cNvPr id="4" name="Picture 3">
+            <a:extLst>
+              <a:ext uri="{FF2B5EF4-FFF2-40B4-BE49-F238E27FC236}">
+                <a16:creationId xmlns:a16="http://schemas.microsoft.com/office/drawing/2014/main" id="{E3DAE7BD-FE17-673E-9A55-25C361B43E1B}"/>
+              </a:ext>
+            </a:extLst>
+          </p:cNvPr>
+          <p:cNvPicPr>
+            <a:picLocks noChangeAspect="1"/>
+          </p:cNvPicPr>
+          <p:nvPr/>
+        </p:nvPicPr>
+        <p:blipFill>
+          <a:blip r:embed="rId2"/>
+          <a:stretch>
+            <a:fillRect/>
+          </a:stretch>
+        </p:blipFill>
+        <p:spPr>
+          <a:xfrm>
+            <a:off x="8686800" y="25205"/>
+            <a:ext cx="3505200" cy="3448139"/>
+          </a:xfrm>
+          <a:prstGeom prst="rect">
+            <a:avLst/>
+          </a:prstGeom>
+        </p:spPr>
+      </p:pic>
+    </p:spTree>
+    <p:extLst>
+      <p:ext uri="{BB962C8B-B14F-4D97-AF65-F5344CB8AC3E}">
+        <p14:creationId xmlns:p14="http://schemas.microsoft.com/office/powerpoint/2010/main" val="2991486734"/>
+      </p:ext>
+    </p:extLst>
+  </p:cSld>
+  <p:clrMapOvr>
+    <a:masterClrMapping/>
+  </p:clrMapOvr>
+</p:sld>
+</file>
+
+<file path=ppt/slides/slide2.xml><?xml version="1.0" encoding="utf-8"?>
+<p:sld xmlns:a="http://schemas.openxmlformats.org/drawingml/2006/main" xmlns:r="http://schemas.openxmlformats.org/officeDocument/2006/relationships" xmlns:p="http://schemas.openxmlformats.org/presentationml/2006/main">
+  <p:cSld>
+    <p:spTree>
+      <p:nvGrpSpPr>
+        <p:cNvPr id="1" name=""/>
+        <p:cNvGrpSpPr/>
+        <p:nvPr/>
+      </p:nvGrpSpPr>
+      <p:grpSpPr>
+        <a:xfrm>
+          <a:off x="0" y="0"/>
+          <a:ext cx="0" cy="0"/>
+          <a:chOff x="0" y="0"/>
+          <a:chExt cx="0" cy="0"/>
+        </a:xfrm>
+      </p:grpSpPr>
+      <p:sp>
+        <p:nvSpPr>
+          <p:cNvPr id="2" name="Title 1">
+            <a:extLst>
+              <a:ext uri="{FF2B5EF4-FFF2-40B4-BE49-F238E27FC236}">
                 <a16:creationId xmlns:a16="http://schemas.microsoft.com/office/drawing/2014/main" id="{856DF221-4540-09C5-E64F-8A8D32504FA1}"/>
               </a:ext>
             </a:extLst>
@@ -3355,6 +3853,10 @@
             <a:r>
               <a:rPr lang="en-US" dirty="0" err="1"/>
               <a:t>Kwargs</a:t>
+            </a:r>
+            <a:r>
+              <a:rPr lang="en-US" dirty="0"/>
+              <a:t> &amp;</a:t>
             </a:r>
             <a:br>
               <a:rPr lang="en-US" dirty="0"/>
@@ -3412,10 +3914,461 @@
 </p:sld>
 </file>
 
+<file path=ppt/slides/slide3.xml><?xml version="1.0" encoding="utf-8"?>
+<p:sld xmlns:a="http://schemas.openxmlformats.org/drawingml/2006/main" xmlns:r="http://schemas.openxmlformats.org/officeDocument/2006/relationships" xmlns:p="http://schemas.openxmlformats.org/presentationml/2006/main">
+  <p:cSld>
+    <p:spTree>
+      <p:nvGrpSpPr>
+        <p:cNvPr id="1" name=""/>
+        <p:cNvGrpSpPr/>
+        <p:nvPr/>
+      </p:nvGrpSpPr>
+      <p:grpSpPr>
+        <a:xfrm>
+          <a:off x="0" y="0"/>
+          <a:ext cx="0" cy="0"/>
+          <a:chOff x="0" y="0"/>
+          <a:chExt cx="0" cy="0"/>
+        </a:xfrm>
+      </p:grpSpPr>
+      <p:sp>
+        <p:nvSpPr>
+          <p:cNvPr id="2" name="Title 1">
+            <a:extLst>
+              <a:ext uri="{FF2B5EF4-FFF2-40B4-BE49-F238E27FC236}">
+                <a16:creationId xmlns:a16="http://schemas.microsoft.com/office/drawing/2014/main" id="{CCC7C36B-77DF-19A8-7D4A-FA26DBF26052}"/>
+              </a:ext>
+            </a:extLst>
+          </p:cNvPr>
+          <p:cNvSpPr>
+            <a:spLocks noGrp="1"/>
+          </p:cNvSpPr>
+          <p:nvPr>
+            <p:ph type="title"/>
+          </p:nvPr>
+        </p:nvSpPr>
+        <p:spPr/>
+        <p:txBody>
+          <a:bodyPr/>
+          <a:lstStyle/>
+          <a:p>
+            <a:r>
+              <a:rPr lang="en-US" dirty="0"/>
+              <a:t>Function Arguments</a:t>
+            </a:r>
+          </a:p>
+        </p:txBody>
+      </p:sp>
+      <p:sp>
+        <p:nvSpPr>
+          <p:cNvPr id="3" name="Content Placeholder 2">
+            <a:extLst>
+              <a:ext uri="{FF2B5EF4-FFF2-40B4-BE49-F238E27FC236}">
+                <a16:creationId xmlns:a16="http://schemas.microsoft.com/office/drawing/2014/main" id="{45226B46-D265-D762-F8FC-A381DC04C800}"/>
+              </a:ext>
+            </a:extLst>
+          </p:cNvPr>
+          <p:cNvSpPr>
+            <a:spLocks noGrp="1"/>
+          </p:cNvSpPr>
+          <p:nvPr>
+            <p:ph idx="1"/>
+          </p:nvPr>
+        </p:nvSpPr>
+        <p:spPr>
+          <a:xfrm>
+            <a:off x="1451579" y="2015732"/>
+            <a:ext cx="9603275" cy="4037749"/>
+          </a:xfrm>
+        </p:spPr>
+        <p:txBody>
+          <a:bodyPr/>
+          <a:lstStyle/>
+          <a:p>
+            <a:r>
+              <a:rPr lang="en-US" dirty="0"/>
+              <a:t>We’re pretty used to seeing arguments for functions. </a:t>
+            </a:r>
+          </a:p>
+          <a:p>
+            <a:r>
+              <a:rPr lang="en-US" dirty="0"/>
+              <a:t>We can divide up the arguments into two subgroups:</a:t>
+            </a:r>
+          </a:p>
+          <a:p>
+            <a:pPr lvl="1"/>
+            <a:r>
+              <a:rPr lang="en-US" dirty="0"/>
+              <a:t>Unnamed or non-keyword ones</a:t>
+            </a:r>
+          </a:p>
+          <a:p>
+            <a:pPr lvl="1"/>
+            <a:r>
+              <a:rPr lang="en-US" dirty="0"/>
+              <a:t>Named Arguments.</a:t>
+            </a:r>
+          </a:p>
+          <a:p>
+            <a:r>
+              <a:rPr lang="en-US" dirty="0"/>
+              <a:t>Non-keyword arguments are those that have no label. </a:t>
+            </a:r>
+          </a:p>
+          <a:p>
+            <a:pPr lvl="1"/>
+            <a:r>
+              <a:rPr lang="en-US" dirty="0"/>
+              <a:t>E.g. sum(a, b)</a:t>
+            </a:r>
+          </a:p>
+          <a:p>
+            <a:r>
+              <a:rPr lang="en-US" dirty="0"/>
+              <a:t>Keyword arguments have a label. </a:t>
+            </a:r>
+          </a:p>
+          <a:p>
+            <a:pPr lvl="1"/>
+            <a:r>
+              <a:rPr lang="en-US" dirty="0"/>
+              <a:t>E.g. sum(</a:t>
+            </a:r>
+            <a:r>
+              <a:rPr lang="en-US" dirty="0" err="1"/>
+              <a:t>num_a</a:t>
+            </a:r>
+            <a:r>
+              <a:rPr lang="en-US" dirty="0"/>
+              <a:t> = a, </a:t>
+            </a:r>
+            <a:r>
+              <a:rPr lang="en-US" dirty="0" err="1"/>
+              <a:t>num_b</a:t>
+            </a:r>
+            <a:r>
+              <a:rPr lang="en-US"/>
+              <a:t>=b)</a:t>
+            </a:r>
+            <a:endParaRPr lang="en-US" dirty="0"/>
+          </a:p>
+        </p:txBody>
+      </p:sp>
+    </p:spTree>
+    <p:extLst>
+      <p:ext uri="{BB962C8B-B14F-4D97-AF65-F5344CB8AC3E}">
+        <p14:creationId xmlns:p14="http://schemas.microsoft.com/office/powerpoint/2010/main" val="2324835748"/>
+      </p:ext>
+    </p:extLst>
+  </p:cSld>
+  <p:clrMapOvr>
+    <a:masterClrMapping/>
+  </p:clrMapOvr>
+</p:sld>
+</file>
+
+<file path=ppt/slides/slide4.xml><?xml version="1.0" encoding="utf-8"?>
+<p:sld xmlns:a="http://schemas.openxmlformats.org/drawingml/2006/main" xmlns:r="http://schemas.openxmlformats.org/officeDocument/2006/relationships" xmlns:p="http://schemas.openxmlformats.org/presentationml/2006/main">
+  <p:cSld>
+    <p:spTree>
+      <p:nvGrpSpPr>
+        <p:cNvPr id="1" name=""/>
+        <p:cNvGrpSpPr/>
+        <p:nvPr/>
+      </p:nvGrpSpPr>
+      <p:grpSpPr>
+        <a:xfrm>
+          <a:off x="0" y="0"/>
+          <a:ext cx="0" cy="0"/>
+          <a:chOff x="0" y="0"/>
+          <a:chExt cx="0" cy="0"/>
+        </a:xfrm>
+      </p:grpSpPr>
+      <p:sp>
+        <p:nvSpPr>
+          <p:cNvPr id="2" name="Title 1">
+            <a:extLst>
+              <a:ext uri="{FF2B5EF4-FFF2-40B4-BE49-F238E27FC236}">
+                <a16:creationId xmlns:a16="http://schemas.microsoft.com/office/drawing/2014/main" id="{E8F4BAC2-5AF3-0D8A-1D89-F8C963A3E917}"/>
+              </a:ext>
+            </a:extLst>
+          </p:cNvPr>
+          <p:cNvSpPr>
+            <a:spLocks noGrp="1"/>
+          </p:cNvSpPr>
+          <p:nvPr>
+            <p:ph type="title"/>
+          </p:nvPr>
+        </p:nvSpPr>
+        <p:spPr/>
+        <p:txBody>
+          <a:bodyPr/>
+          <a:lstStyle/>
+          <a:p>
+            <a:r>
+              <a:rPr lang="en-US" dirty="0"/>
+              <a:t>*</a:t>
+            </a:r>
+            <a:r>
+              <a:rPr lang="en-US" dirty="0" err="1"/>
+              <a:t>Args</a:t>
+            </a:r>
+            <a:endParaRPr lang="en-US" dirty="0"/>
+          </a:p>
+        </p:txBody>
+      </p:sp>
+      <p:sp>
+        <p:nvSpPr>
+          <p:cNvPr id="3" name="Content Placeholder 2">
+            <a:extLst>
+              <a:ext uri="{FF2B5EF4-FFF2-40B4-BE49-F238E27FC236}">
+                <a16:creationId xmlns:a16="http://schemas.microsoft.com/office/drawing/2014/main" id="{847133E4-0828-0794-E0B0-757935C867C8}"/>
+              </a:ext>
+            </a:extLst>
+          </p:cNvPr>
+          <p:cNvSpPr>
+            <a:spLocks noGrp="1"/>
+          </p:cNvSpPr>
+          <p:nvPr>
+            <p:ph idx="1"/>
+          </p:nvPr>
+        </p:nvSpPr>
+        <p:spPr>
+          <a:xfrm>
+            <a:off x="1451579" y="2015732"/>
+            <a:ext cx="9603275" cy="3957685"/>
+          </a:xfrm>
+        </p:spPr>
+        <p:txBody>
+          <a:bodyPr/>
+          <a:lstStyle/>
+          <a:p>
+            <a:r>
+              <a:rPr lang="en-US" dirty="0"/>
+              <a:t>The *</a:t>
+            </a:r>
+            <a:r>
+              <a:rPr lang="en-US" dirty="0" err="1"/>
+              <a:t>args</a:t>
+            </a:r>
+            <a:r>
+              <a:rPr lang="en-US" dirty="0"/>
+              <a:t> argument accepts an arbitrary number of items and packages them into a tuple. </a:t>
+            </a:r>
+          </a:p>
+          <a:p>
+            <a:pPr lvl="1"/>
+            <a:r>
+              <a:rPr lang="en-US" dirty="0"/>
+              <a:t>The </a:t>
+            </a:r>
+            <a:r>
+              <a:rPr lang="en-US" dirty="0" err="1"/>
+              <a:t>args</a:t>
+            </a:r>
+            <a:r>
+              <a:rPr lang="en-US" dirty="0"/>
+              <a:t> part can be anything, the star does the magic. </a:t>
+            </a:r>
+          </a:p>
+          <a:p>
+            <a:r>
+              <a:rPr lang="en-US" dirty="0"/>
+              <a:t>Inside the function </a:t>
+            </a:r>
+            <a:r>
+              <a:rPr lang="en-US" dirty="0" err="1"/>
+              <a:t>args</a:t>
+            </a:r>
+            <a:r>
+              <a:rPr lang="en-US" dirty="0"/>
+              <a:t> is a tuple of however many items are in the argument. </a:t>
+            </a:r>
+          </a:p>
+          <a:p>
+            <a:r>
+              <a:rPr lang="en-US" dirty="0"/>
+              <a:t>Useful for when there are lots of “the same” thing, and we are totally, adding, appending, </a:t>
+            </a:r>
+            <a:r>
+              <a:rPr lang="en-US" dirty="0" err="1"/>
+              <a:t>etc</a:t>
+            </a:r>
+            <a:r>
+              <a:rPr lang="en-US" dirty="0"/>
+              <a:t>…</a:t>
+            </a:r>
+          </a:p>
+          <a:p>
+            <a:pPr lvl="1"/>
+            <a:r>
+              <a:rPr lang="en-US" dirty="0"/>
+              <a:t>We commonly do a for each item in </a:t>
+            </a:r>
+            <a:r>
+              <a:rPr lang="en-US" dirty="0" err="1"/>
+              <a:t>args</a:t>
+            </a:r>
+            <a:r>
+              <a:rPr lang="en-US" dirty="0"/>
+              <a:t>… type of loop to deal with the arguments. </a:t>
+            </a:r>
+          </a:p>
+        </p:txBody>
+      </p:sp>
+    </p:spTree>
+    <p:extLst>
+      <p:ext uri="{BB962C8B-B14F-4D97-AF65-F5344CB8AC3E}">
+        <p14:creationId xmlns:p14="http://schemas.microsoft.com/office/powerpoint/2010/main" val="1851359277"/>
+      </p:ext>
+    </p:extLst>
+  </p:cSld>
+  <p:clrMapOvr>
+    <a:masterClrMapping/>
+  </p:clrMapOvr>
+</p:sld>
+</file>
+
+<file path=ppt/slides/slide5.xml><?xml version="1.0" encoding="utf-8"?>
+<p:sld xmlns:a="http://schemas.openxmlformats.org/drawingml/2006/main" xmlns:r="http://schemas.openxmlformats.org/officeDocument/2006/relationships" xmlns:p="http://schemas.openxmlformats.org/presentationml/2006/main">
+  <p:cSld>
+    <p:spTree>
+      <p:nvGrpSpPr>
+        <p:cNvPr id="1" name=""/>
+        <p:cNvGrpSpPr/>
+        <p:nvPr/>
+      </p:nvGrpSpPr>
+      <p:grpSpPr>
+        <a:xfrm>
+          <a:off x="0" y="0"/>
+          <a:ext cx="0" cy="0"/>
+          <a:chOff x="0" y="0"/>
+          <a:chExt cx="0" cy="0"/>
+        </a:xfrm>
+      </p:grpSpPr>
+      <p:sp>
+        <p:nvSpPr>
+          <p:cNvPr id="2" name="Title 1">
+            <a:extLst>
+              <a:ext uri="{FF2B5EF4-FFF2-40B4-BE49-F238E27FC236}">
+                <a16:creationId xmlns:a16="http://schemas.microsoft.com/office/drawing/2014/main" id="{F16758FE-5C65-6C96-68E8-3FA6E14ED00C}"/>
+              </a:ext>
+            </a:extLst>
+          </p:cNvPr>
+          <p:cNvSpPr>
+            <a:spLocks noGrp="1"/>
+          </p:cNvSpPr>
+          <p:nvPr>
+            <p:ph type="title"/>
+          </p:nvPr>
+        </p:nvSpPr>
+        <p:spPr/>
+        <p:txBody>
+          <a:bodyPr/>
+          <a:lstStyle/>
+          <a:p>
+            <a:r>
+              <a:rPr lang="en-US" dirty="0"/>
+              <a:t>**</a:t>
+            </a:r>
+            <a:r>
+              <a:rPr lang="en-US" dirty="0" err="1"/>
+              <a:t>kwargs</a:t>
+            </a:r>
+            <a:endParaRPr lang="en-US" dirty="0"/>
+          </a:p>
+        </p:txBody>
+      </p:sp>
+      <p:sp>
+        <p:nvSpPr>
+          <p:cNvPr id="3" name="Content Placeholder 2">
+            <a:extLst>
+              <a:ext uri="{FF2B5EF4-FFF2-40B4-BE49-F238E27FC236}">
+                <a16:creationId xmlns:a16="http://schemas.microsoft.com/office/drawing/2014/main" id="{C4EC8CB6-367B-0CA5-802C-F2F04693C451}"/>
+              </a:ext>
+            </a:extLst>
+          </p:cNvPr>
+          <p:cNvSpPr>
+            <a:spLocks noGrp="1"/>
+          </p:cNvSpPr>
+          <p:nvPr>
+            <p:ph idx="1"/>
+          </p:nvPr>
+        </p:nvSpPr>
+        <p:spPr/>
+        <p:txBody>
+          <a:bodyPr/>
+          <a:lstStyle/>
+          <a:p>
+            <a:r>
+              <a:rPr lang="en-US" dirty="0"/>
+              <a:t>**</a:t>
+            </a:r>
+            <a:r>
+              <a:rPr lang="en-US" dirty="0" err="1"/>
+              <a:t>Kwargs</a:t>
+            </a:r>
+            <a:r>
+              <a:rPr lang="en-US" dirty="0"/>
+              <a:t> is </a:t>
+            </a:r>
+            <a:r>
+              <a:rPr lang="en-US" dirty="0" err="1"/>
+              <a:t>args</a:t>
+            </a:r>
+            <a:r>
+              <a:rPr lang="en-US" dirty="0"/>
+              <a:t>’ buddy, it works in the same way except it takes in named arguments and produces a dictionary of arguments. </a:t>
+            </a:r>
+          </a:p>
+          <a:p>
+            <a:pPr lvl="1"/>
+            <a:r>
+              <a:rPr lang="en-US" dirty="0"/>
+              <a:t>The name of the argument is the key, the value is the value. </a:t>
+            </a:r>
+          </a:p>
+          <a:p>
+            <a:r>
+              <a:rPr lang="en-US" dirty="0"/>
+              <a:t>Useful for when we have a large number of optional settings.</a:t>
+            </a:r>
+          </a:p>
+          <a:p>
+            <a:pPr lvl="1"/>
+            <a:r>
+              <a:rPr lang="en-US" dirty="0"/>
+              <a:t>E.g. graphing functions often take lots of options for color, style, line width, </a:t>
+            </a:r>
+            <a:r>
+              <a:rPr lang="en-US" dirty="0" err="1"/>
+              <a:t>etc</a:t>
+            </a:r>
+            <a:r>
+              <a:rPr lang="en-US" dirty="0"/>
+              <a:t>…</a:t>
+            </a:r>
+          </a:p>
+        </p:txBody>
+      </p:sp>
+    </p:spTree>
+    <p:extLst>
+      <p:ext uri="{BB962C8B-B14F-4D97-AF65-F5344CB8AC3E}">
+        <p14:creationId xmlns:p14="http://schemas.microsoft.com/office/powerpoint/2010/main" val="1759106120"/>
+      </p:ext>
+    </p:extLst>
+  </p:cSld>
+  <p:clrMapOvr>
+    <a:masterClrMapping/>
+  </p:clrMapOvr>
+</p:sld>
+</file>
+
 <file path=ppt/theme/theme1.xml><?xml version="1.0" encoding="utf-8"?>
-<a:theme xmlns:a="http://schemas.openxmlformats.org/drawingml/2006/main" name="Office Theme">
+<a:theme xmlns:a="http://schemas.openxmlformats.org/drawingml/2006/main" name="Gallery">
   <a:themeElements>
-    <a:clrScheme name="Office">
+    <a:clrScheme name="Gallery">
       <a:dk1>
         <a:sysClr val="windowText" lastClr="000000"/>
       </a:dk1>
@@ -3423,39 +4376,39 @@
         <a:sysClr val="window" lastClr="FFFFFF"/>
       </a:lt1>
       <a:dk2>
-        <a:srgbClr val="44546A"/>
+        <a:srgbClr val="454545"/>
       </a:dk2>
       <a:lt2>
-        <a:srgbClr val="E7E6E6"/>
+        <a:srgbClr val="DFDBD5"/>
       </a:lt2>
       <a:accent1>
-        <a:srgbClr val="4472C4"/>
+        <a:srgbClr val="B71E42"/>
       </a:accent1>
       <a:accent2>
-        <a:srgbClr val="ED7D31"/>
+        <a:srgbClr val="DE478E"/>
       </a:accent2>
       <a:accent3>
-        <a:srgbClr val="A5A5A5"/>
+        <a:srgbClr val="BC72F0"/>
       </a:accent3>
       <a:accent4>
-        <a:srgbClr val="FFC000"/>
+        <a:srgbClr val="795FAF"/>
       </a:accent4>
       <a:accent5>
-        <a:srgbClr val="5B9BD5"/>
+        <a:srgbClr val="586EA6"/>
       </a:accent5>
       <a:accent6>
-        <a:srgbClr val="70AD47"/>
+        <a:srgbClr val="6892A0"/>
       </a:accent6>
       <a:hlink>
-        <a:srgbClr val="0563C1"/>
+        <a:srgbClr val="FA2B5C"/>
       </a:hlink>
       <a:folHlink>
-        <a:srgbClr val="954F72"/>
+        <a:srgbClr val="BC658E"/>
       </a:folHlink>
     </a:clrScheme>
-    <a:fontScheme name="Office">
+    <a:fontScheme name="Gallery">
       <a:majorFont>
-        <a:latin typeface="Calibri Light" panose="020F0302020204030204"/>
+        <a:latin typeface="Gill Sans MT" panose="020B0502020104020203"/>
         <a:ea typeface=""/>
         <a:cs typeface=""/>
         <a:font script="Jpan" typeface="游ゴシック Light"/>
@@ -3488,26 +4441,9 @@
         <a:font script="Viet" typeface="Times New Roman"/>
         <a:font script="Uigh" typeface="Microsoft Uighur"/>
         <a:font script="Geor" typeface="Sylfaen"/>
-        <a:font script="Armn" typeface="Arial"/>
-        <a:font script="Bugi" typeface="Leelawadee UI"/>
-        <a:font script="Bopo" typeface="Microsoft JhengHei"/>
-        <a:font script="Java" typeface="Javanese Text"/>
-        <a:font script="Lisu" typeface="Segoe UI"/>
-        <a:font script="Mymr" typeface="Myanmar Text"/>
-        <a:font script="Nkoo" typeface="Ebrima"/>
-        <a:font script="Olck" typeface="Nirmala UI"/>
-        <a:font script="Osma" typeface="Ebrima"/>
-        <a:font script="Phag" typeface="Phagspa"/>
-        <a:font script="Syrn" typeface="Estrangelo Edessa"/>
-        <a:font script="Syrj" typeface="Estrangelo Edessa"/>
-        <a:font script="Syre" typeface="Estrangelo Edessa"/>
-        <a:font script="Sora" typeface="Nirmala UI"/>
-        <a:font script="Tale" typeface="Microsoft Tai Le"/>
-        <a:font script="Talu" typeface="Microsoft New Tai Lue"/>
-        <a:font script="Tfng" typeface="Ebrima"/>
       </a:majorFont>
       <a:minorFont>
-        <a:latin typeface="Calibri" panose="020F0502020204030204"/>
+        <a:latin typeface="Gill Sans MT" panose="020B0502020104020203"/>
         <a:ea typeface=""/>
         <a:cs typeface=""/>
         <a:font script="Jpan" typeface="游ゴシック"/>
@@ -3540,26 +4476,9 @@
         <a:font script="Viet" typeface="Arial"/>
         <a:font script="Uigh" typeface="Microsoft Uighur"/>
         <a:font script="Geor" typeface="Sylfaen"/>
-        <a:font script="Armn" typeface="Arial"/>
-        <a:font script="Bugi" typeface="Leelawadee UI"/>
-        <a:font script="Bopo" typeface="Microsoft JhengHei"/>
-        <a:font script="Java" typeface="Javanese Text"/>
-        <a:font script="Lisu" typeface="Segoe UI"/>
-        <a:font script="Mymr" typeface="Myanmar Text"/>
-        <a:font script="Nkoo" typeface="Ebrima"/>
-        <a:font script="Olck" typeface="Nirmala UI"/>
-        <a:font script="Osma" typeface="Ebrima"/>
-        <a:font script="Phag" typeface="Phagspa"/>
-        <a:font script="Syrn" typeface="Estrangelo Edessa"/>
-        <a:font script="Syrj" typeface="Estrangelo Edessa"/>
-        <a:font script="Syre" typeface="Estrangelo Edessa"/>
-        <a:font script="Sora" typeface="Nirmala UI"/>
-        <a:font script="Tale" typeface="Microsoft Tai Le"/>
-        <a:font script="Talu" typeface="Microsoft New Tai Lue"/>
-        <a:font script="Tfng" typeface="Ebrima"/>
       </a:minorFont>
     </a:fontScheme>
-    <a:fmtScheme name="Office">
+    <a:fmtScheme name="Gallery">
       <a:fillStyleLst>
         <a:solidFill>
           <a:schemeClr val="phClr"/>
@@ -3568,23 +4487,18 @@
           <a:gsLst>
             <a:gs pos="0">
               <a:schemeClr val="phClr">
+                <a:tint val="54000"/>
+                <a:alpha val="100000"/>
+                <a:satMod val="105000"/>
                 <a:lumMod val="110000"/>
-                <a:satMod val="105000"/>
-                <a:tint val="67000"/>
-              </a:schemeClr>
-            </a:gs>
-            <a:gs pos="50000">
-              <a:schemeClr val="phClr">
-                <a:lumMod val="105000"/>
-                <a:satMod val="103000"/>
-                <a:tint val="73000"/>
               </a:schemeClr>
             </a:gs>
             <a:gs pos="100000">
               <a:schemeClr val="phClr">
-                <a:lumMod val="105000"/>
+                <a:tint val="78000"/>
+                <a:alpha val="92000"/>
                 <a:satMod val="109000"/>
-                <a:tint val="81000"/>
+                <a:lumMod val="100000"/>
               </a:schemeClr>
             </a:gs>
           </a:gsLst>
@@ -3594,23 +4508,23 @@
           <a:gsLst>
             <a:gs pos="0">
               <a:schemeClr val="phClr">
-                <a:satMod val="103000"/>
-                <a:lumMod val="102000"/>
-                <a:tint val="94000"/>
+                <a:tint val="98000"/>
+                <a:satMod val="110000"/>
+                <a:lumMod val="104000"/>
               </a:schemeClr>
             </a:gs>
-            <a:gs pos="50000">
+            <a:gs pos="69000">
               <a:schemeClr val="phClr">
-                <a:satMod val="110000"/>
-                <a:lumMod val="100000"/>
-                <a:shade val="100000"/>
+                <a:shade val="88000"/>
+                <a:satMod val="130000"/>
+                <a:lumMod val="92000"/>
               </a:schemeClr>
             </a:gs>
             <a:gs pos="100000">
               <a:schemeClr val="phClr">
-                <a:lumMod val="99000"/>
-                <a:satMod val="120000"/>
                 <a:shade val="78000"/>
+                <a:satMod val="130000"/>
+                <a:lumMod val="92000"/>
               </a:schemeClr>
             </a:gs>
           </a:gsLst>
@@ -3618,26 +4532,23 @@
         </a:gradFill>
       </a:fillStyleLst>
       <a:lnStyleLst>
-        <a:ln w="6350" cap="flat" cmpd="sng" algn="ctr">
+        <a:ln w="9525" cap="flat" cmpd="sng" algn="ctr">
           <a:solidFill>
             <a:schemeClr val="phClr"/>
           </a:solidFill>
           <a:prstDash val="solid"/>
-          <a:miter lim="800000"/>
         </a:ln>
-        <a:ln w="12700" cap="flat" cmpd="sng" algn="ctr">
+        <a:ln w="15875" cap="flat" cmpd="sng" algn="ctr">
           <a:solidFill>
             <a:schemeClr val="phClr"/>
           </a:solidFill>
           <a:prstDash val="solid"/>
-          <a:miter lim="800000"/>
         </a:ln>
-        <a:ln w="19050" cap="flat" cmpd="sng" algn="ctr">
+        <a:ln w="22225" cap="flat" cmpd="sng" algn="ctr">
           <a:solidFill>
             <a:schemeClr val="phClr"/>
           </a:solidFill>
           <a:prstDash val="solid"/>
-          <a:miter lim="800000"/>
         </a:ln>
       </a:lnStyleLst>
       <a:effectStyleLst>
@@ -3649,12 +4560,23 @@
         </a:effectStyle>
         <a:effectStyle>
           <a:effectLst>
-            <a:outerShdw blurRad="57150" dist="19050" dir="5400000" algn="ctr" rotWithShape="0">
+            <a:outerShdw blurRad="50800" dist="50800" dir="5400000" sx="96000" sy="96000" rotWithShape="0">
               <a:srgbClr val="000000">
-                <a:alpha val="63000"/>
+                <a:alpha val="48000"/>
               </a:srgbClr>
             </a:outerShdw>
           </a:effectLst>
+          <a:scene3d>
+            <a:camera prst="orthographicFront">
+              <a:rot lat="0" lon="0" rev="0"/>
+            </a:camera>
+            <a:lightRig rig="balanced" dir="t">
+              <a:rot lat="0" lon="0" rev="1080000"/>
+            </a:lightRig>
+          </a:scene3d>
+          <a:sp3d>
+            <a:bevelT w="38100" h="12700" prst="softRound"/>
+          </a:sp3d>
         </a:effectStyle>
       </a:effectStyleLst>
       <a:bgFillStyleLst>
@@ -3662,37 +4584,26 @@
           <a:schemeClr val="phClr"/>
         </a:solidFill>
         <a:solidFill>
-          <a:schemeClr val="phClr">
-            <a:tint val="95000"/>
-            <a:satMod val="170000"/>
-          </a:schemeClr>
+          <a:schemeClr val="phClr"/>
         </a:solidFill>
         <a:gradFill rotWithShape="1">
           <a:gsLst>
             <a:gs pos="0">
               <a:schemeClr val="phClr">
-                <a:tint val="93000"/>
-                <a:satMod val="150000"/>
-                <a:shade val="98000"/>
-                <a:lumMod val="102000"/>
-              </a:schemeClr>
-            </a:gs>
-            <a:gs pos="50000">
-              <a:schemeClr val="phClr">
-                <a:tint val="98000"/>
-                <a:satMod val="130000"/>
-                <a:shade val="90000"/>
-                <a:lumMod val="103000"/>
+                <a:tint val="94000"/>
+                <a:satMod val="80000"/>
+                <a:lumMod val="106000"/>
               </a:schemeClr>
             </a:gs>
             <a:gs pos="100000">
               <a:schemeClr val="phClr">
-                <a:shade val="63000"/>
-                <a:satMod val="120000"/>
+                <a:shade val="80000"/>
               </a:schemeClr>
             </a:gs>
           </a:gsLst>
-          <a:lin ang="5400000" scaled="0"/>
+          <a:path path="circle">
+            <a:fillToRect l="50000" t="50000" r="50000" b="50000"/>
+          </a:path>
         </a:gradFill>
       </a:bgFillStyleLst>
     </a:fmtScheme>
@@ -3701,7 +4612,7 @@
   <a:extraClrSchemeLst/>
   <a:extLst>
     <a:ext uri="{05A4C25C-085E-4340-85A3-A5531E510DB2}">
-      <thm15:themeFamily xmlns:thm15="http://schemas.microsoft.com/office/thememl/2012/main" name="Office Theme" id="{62F939B6-93AF-4DB8-9C6B-D6C7DFDC589F}" vid="{4A3C46E8-61CC-4603-A589-7422A47A8E4A}"/>
+      <thm15:themeFamily xmlns:thm15="http://schemas.microsoft.com/office/thememl/2012/main" name="Gallery" id="{BBFCD31E-59A1-489D-B089-A3EAD7CAE12E}" vid="{F5E91637-A7B6-4E27-B710-77DA7014EE1E}"/>
     </a:ext>
   </a:extLst>
 </a:theme>

--- a/course_material/slides/017_arg_kwarg.pptx
+++ b/course_material/slides/017_arg_kwarg.pptx
@@ -4048,10 +4048,9 @@
               <a:t>num_b</a:t>
             </a:r>
             <a:r>
-              <a:rPr lang="en-US"/>
+              <a:rPr lang="en-US" dirty="0"/>
               <a:t>=b)</a:t>
             </a:r>
-            <a:endParaRPr lang="en-US" dirty="0"/>
           </a:p>
         </p:txBody>
       </p:sp>
